--- a/docs/thesis/Orvosi szövegértelmező rendszer - bemutató.pptx
+++ b/docs/thesis/Orvosi szövegértelmező rendszer - bemutató.pptx
@@ -31,13 +31,14 @@
     <p:sldId id="279" r:id="rId26"/>
     <p:sldId id="280" r:id="rId27"/>
     <p:sldId id="281" r:id="rId28"/>
+    <p:sldId id="282" r:id="rId29"/>
   </p:sldIdLst>
   <p:sldSz cx="10080625" cy="7559675"/>
   <p:notesSz cx="7559675" cy="10691812"/>
 </p:presentation>
 </file>
 
-<file path=ppt/charts/chart1.xml><?xml version="1.0" encoding="utf-8"?>
+<file path=ppt/charts/chart3.xml><?xml version="1.0" encoding="utf-8"?>
 <c:chartSpace xmlns:c="http://schemas.openxmlformats.org/drawingml/2006/chart" xmlns:a="http://schemas.openxmlformats.org/drawingml/2006/main" xmlns:r="http://schemas.openxmlformats.org/officeDocument/2006/relationships">
   <c:lang val="en-US"/>
   <c:chart>
@@ -207,11 +208,11 @@
           </c:val>
         </c:ser>
         <c:gapWidth val="100"/>
-        <c:axId val="15331074"/>
-        <c:axId val="8957009"/>
+        <c:axId val="15033152"/>
+        <c:axId val="78562968"/>
       </c:barChart>
       <c:catAx>
-        <c:axId val="15331074"/>
+        <c:axId val="15033152"/>
         <c:scaling>
           <c:orientation val="minMax"/>
         </c:scaling>
@@ -227,14 +228,14 @@
             </a:solidFill>
           </a:ln>
         </c:spPr>
-        <c:crossAx val="8957009"/>
+        <c:crossAx val="78562968"/>
         <c:crossesAt val="0"/>
         <c:auto val="1"/>
         <c:lblAlgn val="ctr"/>
         <c:lblOffset val="100"/>
       </c:catAx>
       <c:valAx>
-        <c:axId val="8957009"/>
+        <c:axId val="78562968"/>
         <c:scaling>
           <c:orientation val="minMax"/>
         </c:scaling>
@@ -259,7 +260,7 @@
             </a:solidFill>
           </a:ln>
         </c:spPr>
-        <c:crossAx val="15331074"/>
+        <c:crossAx val="15033152"/>
         <c:crossesAt val="0"/>
       </c:valAx>
       <c:spPr>
@@ -1699,7 +1700,7 @@
           <a:bodyPr lIns="0" rIns="0" tIns="0" bIns="0"/>
           <a:p>
             <a:pPr algn="r"/>
-            <a:fld id="{E876690C-53D2-453A-9EA0-2BED45988498}" type="slidenum">
+            <a:fld id="{E92D0667-5720-4390-A447-200F258D76ED}" type="slidenum">
               <a:rPr lang="en-US" sz="1400">
                 <a:latin typeface="Times New Roman"/>
               </a:rPr>
@@ -1876,66 +1877,327 @@
               <a:rPr lang="en-US" sz="4400">
                 <a:latin typeface="Arial"/>
               </a:rPr>
-              <a:t>A rendszer áttekintése</a:t>
-            </a:r>
-            <a:endParaRPr/>
-          </a:p>
-        </p:txBody>
-      </p:sp>
-      <p:pic>
-        <p:nvPicPr>
-          <p:cNvPr id="61" name="" descr=""/>
-          <p:cNvPicPr/>
+              <a:t>SPARQL példa</a:t>
+            </a:r>
+            <a:endParaRPr/>
+          </a:p>
+        </p:txBody>
+      </p:sp>
+      <p:sp>
+        <p:nvSpPr>
+          <p:cNvPr id="61" name="TextShape 2"/>
+          <p:cNvSpPr txBox="1"/>
           <p:nvPr/>
-        </p:nvPicPr>
-        <p:blipFill>
-          <a:blip r:embed="rId1"/>
-          <a:stretch>
-            <a:fillRect/>
-          </a:stretch>
-        </p:blipFill>
-        <p:spPr>
-          <a:xfrm>
-            <a:off x="1596240" y="1768680"/>
-            <a:ext cx="6886440" cy="4384440"/>
-          </a:xfrm>
-          <a:prstGeom prst="rect">
-            <a:avLst/>
-          </a:prstGeom>
-          <a:ln>
-            <a:noFill/>
-          </a:ln>
-        </p:spPr>
-      </p:pic>
+        </p:nvSpPr>
+        <p:spPr>
+          <a:xfrm>
+            <a:off x="504000" y="1769040"/>
+            <a:ext cx="9071640" cy="5729040"/>
+          </a:xfrm>
+          <a:prstGeom prst="rect">
+            <a:avLst/>
+          </a:prstGeom>
+        </p:spPr>
+        <p:txBody>
+          <a:bodyPr lIns="0" rIns="0" tIns="0" bIns="0"/>
+          <a:p>
+            <a:pPr>
+              <a:buSzPct val="45000"/>
+              <a:buFont typeface="StarSymbol"/>
+              <a:buChar char=""/>
+            </a:pPr>
+            <a:r>
+              <a:rPr lang="en-US" sz="3200">
+                <a:latin typeface="Arial"/>
+              </a:rPr>
+              <a:t>PREFIX dbo: &lt;http://dbpedia.org/ontology/&gt;</a:t>
+            </a:r>
+            <a:endParaRPr/>
+          </a:p>
+          <a:p>
+            <a:pPr>
+              <a:buSzPct val="45000"/>
+              <a:buFont typeface="StarSymbol"/>
+              <a:buChar char=""/>
+            </a:pPr>
+            <a:r>
+              <a:rPr lang="en-US" sz="3200">
+                <a:latin typeface="Arial"/>
+              </a:rPr>
+              <a:t>PREFIX terms: &lt;http://purl.org/dc/terms/&gt;</a:t>
+            </a:r>
+            <a:endParaRPr/>
+          </a:p>
+          <a:p>
+            <a:pPr>
+              <a:buSzPct val="45000"/>
+              <a:buFont typeface="StarSymbol"/>
+              <a:buChar char=""/>
+            </a:pPr>
+            <a:r>
+              <a:rPr lang="en-US" sz="3200">
+                <a:latin typeface="Arial"/>
+              </a:rPr>
+              <a:t>SELECT DISTINCT *</a:t>
+            </a:r>
+            <a:endParaRPr/>
+          </a:p>
+          <a:p>
+            <a:pPr>
+              <a:buSzPct val="45000"/>
+              <a:buFont typeface="StarSymbol"/>
+              <a:buChar char=""/>
+            </a:pPr>
+            <a:r>
+              <a:rPr lang="en-US" sz="3200">
+                <a:latin typeface="Arial"/>
+              </a:rPr>
+              <a:t>WHERE {" +</a:t>
+            </a:r>
+            <a:endParaRPr/>
+          </a:p>
+          <a:p>
+            <a:pPr>
+              <a:buSzPct val="45000"/>
+              <a:buFont typeface="StarSymbol"/>
+              <a:buChar char=""/>
+            </a:pPr>
+            <a:r>
+              <a:rPr lang="en-US" sz="3200">
+                <a:latin typeface="Arial"/>
+              </a:rPr>
+              <a:t>    </a:t>
+            </a:r>
+            <a:r>
+              <a:rPr lang="en-US" sz="3200">
+                <a:latin typeface="Arial"/>
+              </a:rPr>
+              <a:t>{</a:t>
+            </a:r>
+            <a:endParaRPr/>
+          </a:p>
+          <a:p>
+            <a:pPr>
+              <a:buSzPct val="45000"/>
+              <a:buFont typeface="StarSymbol"/>
+              <a:buChar char=""/>
+            </a:pPr>
+            <a:r>
+              <a:rPr lang="en-US" sz="3200">
+                <a:latin typeface="Arial"/>
+              </a:rPr>
+              <a:t> </a:t>
+            </a:r>
+            <a:r>
+              <a:rPr lang="en-US" sz="3200">
+                <a:latin typeface="Arial"/>
+              </a:rPr>
+              <a:t>	</a:t>
+            </a:r>
+            <a:r>
+              <a:rPr lang="en-US" sz="3200">
+                <a:latin typeface="Arial"/>
+              </a:rPr>
+              <a:t>	</a:t>
+            </a:r>
+            <a:r>
+              <a:rPr lang="en-US" sz="3200">
+                <a:latin typeface="Arial"/>
+              </a:rPr>
+              <a:t>    </a:t>
+            </a:r>
+            <a:r>
+              <a:rPr lang="en-US" sz="3200">
+                <a:latin typeface="Arial"/>
+              </a:rPr>
+              <a:t>?s skos:broader &lt;http://dbpedia.org/resource/Category:Symptoms_and_signs&gt;  .</a:t>
+            </a:r>
+            <a:endParaRPr/>
+          </a:p>
+          <a:p>
+            <a:pPr>
+              <a:buSzPct val="45000"/>
+              <a:buFont typeface="StarSymbol"/>
+              <a:buChar char=""/>
+            </a:pPr>
+            <a:r>
+              <a:rPr lang="en-US" sz="3200">
+                <a:latin typeface="Arial"/>
+              </a:rPr>
+              <a:t>    </a:t>
+            </a:r>
+            <a:r>
+              <a:rPr lang="en-US" sz="3200">
+                <a:latin typeface="Arial"/>
+              </a:rPr>
+              <a:t>	</a:t>
+            </a:r>
+            <a:r>
+              <a:rPr lang="en-US" sz="3200">
+                <a:latin typeface="Arial"/>
+              </a:rPr>
+              <a:t>    </a:t>
+            </a:r>
+            <a:r>
+              <a:rPr lang="en-US" sz="3200">
+                <a:latin typeface="Arial"/>
+              </a:rPr>
+              <a:t>?s2 terms:subject ?s .</a:t>
+            </a:r>
+            <a:endParaRPr/>
+          </a:p>
+          <a:p>
+            <a:pPr>
+              <a:buSzPct val="45000"/>
+              <a:buFont typeface="StarSymbol"/>
+              <a:buChar char=""/>
+            </a:pPr>
+            <a:r>
+              <a:rPr lang="en-US" sz="3200">
+                <a:latin typeface="Arial"/>
+              </a:rPr>
+              <a:t>	</a:t>
+            </a:r>
+            <a:r>
+              <a:rPr lang="en-US" sz="3200">
+                <a:latin typeface="Arial"/>
+              </a:rPr>
+              <a:t>    </a:t>
+            </a:r>
+            <a:r>
+              <a:rPr lang="en-US" sz="3200">
+                <a:latin typeface="Arial"/>
+              </a:rPr>
+              <a:t>?s2 rdfs:label ?label .</a:t>
+            </a:r>
+            <a:endParaRPr/>
+          </a:p>
+          <a:p>
+            <a:pPr>
+              <a:buSzPct val="45000"/>
+              <a:buFont typeface="StarSymbol"/>
+              <a:buChar char=""/>
+            </a:pPr>
+            <a:r>
+              <a:rPr lang="en-US" sz="3200">
+                <a:latin typeface="Arial"/>
+              </a:rPr>
+              <a:t>        </a:t>
+            </a:r>
+            <a:r>
+              <a:rPr lang="en-US" sz="3200">
+                <a:latin typeface="Arial"/>
+              </a:rPr>
+              <a:t>?s2 rdfs:comment ?comment .</a:t>
+            </a:r>
+            <a:endParaRPr/>
+          </a:p>
+          <a:p>
+            <a:pPr>
+              <a:buSzPct val="45000"/>
+              <a:buFont typeface="StarSymbol"/>
+              <a:buChar char=""/>
+            </a:pPr>
+            <a:r>
+              <a:rPr lang="en-US" sz="3200">
+                <a:latin typeface="Arial"/>
+              </a:rPr>
+              <a:t>        </a:t>
+            </a:r>
+            <a:r>
+              <a:rPr lang="en-US" sz="3200">
+                <a:latin typeface="Arial"/>
+              </a:rPr>
+              <a:t>FILTER (regex(?label, 'KEYWORD', 'I'))</a:t>
+            </a:r>
+            <a:endParaRPr/>
+          </a:p>
+          <a:p>
+            <a:pPr>
+              <a:buSzPct val="45000"/>
+              <a:buFont typeface="StarSymbol"/>
+              <a:buChar char=""/>
+            </a:pPr>
+            <a:r>
+              <a:rPr lang="en-US" sz="3200">
+                <a:latin typeface="Arial"/>
+              </a:rPr>
+              <a:t>        </a:t>
+            </a:r>
+            <a:r>
+              <a:rPr lang="en-US" sz="3200">
+                <a:latin typeface="Arial"/>
+              </a:rPr>
+              <a:t>FILTER (lang(?label) = 'en')</a:t>
+            </a:r>
+            <a:endParaRPr/>
+          </a:p>
+          <a:p>
+            <a:pPr>
+              <a:buSzPct val="45000"/>
+              <a:buFont typeface="StarSymbol"/>
+              <a:buChar char=""/>
+            </a:pPr>
+            <a:r>
+              <a:rPr lang="en-US" sz="3200">
+                <a:latin typeface="Arial"/>
+              </a:rPr>
+              <a:t>        </a:t>
+            </a:r>
+            <a:r>
+              <a:rPr lang="en-US" sz="3200">
+                <a:latin typeface="Arial"/>
+              </a:rPr>
+              <a:t>FILTER (lang(?comment) = 'en')</a:t>
+            </a:r>
+            <a:endParaRPr/>
+          </a:p>
+          <a:p>
+            <a:pPr>
+              <a:buSzPct val="45000"/>
+              <a:buFont typeface="StarSymbol"/>
+              <a:buChar char=""/>
+            </a:pPr>
+            <a:r>
+              <a:rPr lang="en-US" sz="3200">
+                <a:latin typeface="Arial"/>
+              </a:rPr>
+              <a:t>    </a:t>
+            </a:r>
+            <a:r>
+              <a:rPr lang="en-US" sz="3200">
+                <a:latin typeface="Arial"/>
+              </a:rPr>
+              <a:t>}</a:t>
+            </a:r>
+            <a:endParaRPr/>
+          </a:p>
+          <a:p>
+            <a:pPr>
+              <a:buSzPct val="45000"/>
+              <a:buFont typeface="StarSymbol"/>
+              <a:buChar char=""/>
+            </a:pPr>
+            <a:r>
+              <a:rPr lang="en-US" sz="3200">
+                <a:latin typeface="Arial"/>
+              </a:rPr>
+              <a:t>...</a:t>
+            </a:r>
+            <a:endParaRPr/>
+          </a:p>
+          <a:p>
+            <a:pPr>
+              <a:buSzPct val="45000"/>
+              <a:buFont typeface="StarSymbol"/>
+              <a:buChar char=""/>
+            </a:pPr>
+            <a:endParaRPr/>
+          </a:p>
+        </p:txBody>
+      </p:sp>
     </p:spTree>
   </p:cSld>
-  <p:timing>
-    <p:tnLst>
-      <p:par>
-        <p:cTn id="19" dur="indefinite" restart="never" nodeType="tmRoot">
-          <p:childTnLst>
-            <p:seq>
-              <p:cTn id="20" nodeType="mainSeq"/>
-              <p:prevCondLst>
-                <p:cond delay="0" evt="onPrev">
-                  <p:tgtEl>
-                    <p:sldTgt/>
-                  </p:tgtEl>
-                </p:cond>
-              </p:prevCondLst>
-              <p:nextCondLst>
-                <p:cond delay="0" evt="onNext">
-                  <p:tgtEl>
-                    <p:sldTgt/>
-                  </p:tgtEl>
-                </p:cond>
-              </p:nextCondLst>
-            </p:seq>
-          </p:childTnLst>
-        </p:cTn>
-      </p:par>
-    </p:tnLst>
-  </p:timing>
 </p:sld>
 </file>
 
@@ -1979,96 +2241,7 @@
               <a:rPr lang="en-US" sz="4400">
                 <a:latin typeface="Arial"/>
               </a:rPr>
-              <a:t>A rendszer architektúrája</a:t>
-            </a:r>
-            <a:endParaRPr/>
-          </a:p>
-        </p:txBody>
-      </p:sp>
-      <p:sp>
-        <p:nvSpPr>
-          <p:cNvPr id="63" name="TextShape 2"/>
-          <p:cNvSpPr txBox="1"/>
-          <p:nvPr/>
-        </p:nvSpPr>
-        <p:spPr>
-          <a:xfrm>
-            <a:off x="504000" y="1769040"/>
-            <a:ext cx="9071640" cy="4384440"/>
-          </a:xfrm>
-          <a:prstGeom prst="rect">
-            <a:avLst/>
-          </a:prstGeom>
-        </p:spPr>
-        <p:txBody>
-          <a:bodyPr lIns="0" rIns="0" tIns="0" bIns="0"/>
-          <a:p>
-            <a:pPr>
-              <a:buSzPct val="45000"/>
-              <a:buFont typeface="StarSymbol"/>
-              <a:buChar char=""/>
-            </a:pPr>
-            <a:r>
-              <a:rPr lang="en-US" sz="3200">
-                <a:latin typeface="Arial"/>
-              </a:rPr>
-              <a:t>Adatfeldolgozó komponens</a:t>
-            </a:r>
-            <a:endParaRPr/>
-          </a:p>
-          <a:p>
-            <a:pPr>
-              <a:buSzPct val="45000"/>
-              <a:buFont typeface="StarSymbol"/>
-              <a:buChar char=""/>
-            </a:pPr>
-            <a:r>
-              <a:rPr lang="en-US" sz="3200">
-                <a:latin typeface="Arial"/>
-              </a:rPr>
-              <a:t>Szerver komponens</a:t>
-            </a:r>
-            <a:endParaRPr/>
-          </a:p>
-          <a:p>
-            <a:pPr>
-              <a:buSzPct val="45000"/>
-              <a:buFont typeface="StarSymbol"/>
-              <a:buChar char=""/>
-            </a:pPr>
-            <a:r>
-              <a:rPr lang="en-US" sz="3200">
-                <a:latin typeface="Arial"/>
-              </a:rPr>
-              <a:t>Hadoop HDFS</a:t>
-            </a:r>
-            <a:endParaRPr/>
-          </a:p>
-          <a:p>
-            <a:pPr>
-              <a:buSzPct val="45000"/>
-              <a:buFont typeface="StarSymbol"/>
-              <a:buChar char=""/>
-            </a:pPr>
-            <a:r>
-              <a:rPr lang="en-US" sz="3200">
-                <a:latin typeface="Arial"/>
-              </a:rPr>
-              <a:t>MongoDB adatbázis</a:t>
-            </a:r>
-            <a:endParaRPr/>
-          </a:p>
-          <a:p>
-            <a:pPr>
-              <a:buSzPct val="45000"/>
-              <a:buFont typeface="StarSymbol"/>
-              <a:buChar char=""/>
-            </a:pPr>
-            <a:r>
-              <a:rPr lang="en-US" sz="3200">
-                <a:latin typeface="Arial"/>
-              </a:rPr>
-              <a:t>Kliens komponens</a:t>
+              <a:t>A rendszer áttekintése</a:t>
             </a:r>
             <a:endParaRPr/>
           </a:p>
@@ -2076,7 +2249,7 @@
       </p:sp>
       <p:pic>
         <p:nvPicPr>
-          <p:cNvPr id="64" name="" descr=""/>
+          <p:cNvPr id="63" name="" descr=""/>
           <p:cNvPicPr/>
           <p:nvPr/>
         </p:nvPicPr>
@@ -2088,8 +2261,8 @@
         </p:blipFill>
         <p:spPr>
           <a:xfrm>
-            <a:off x="340200" y="4975920"/>
-            <a:ext cx="9235440" cy="2468880"/>
+            <a:off x="1596240" y="1768680"/>
+            <a:ext cx="6886440" cy="4384440"/>
           </a:xfrm>
           <a:prstGeom prst="rect">
             <a:avLst/>
@@ -2104,10 +2277,10 @@
   <p:timing>
     <p:tnLst>
       <p:par>
-        <p:cTn id="21" dur="indefinite" restart="never" nodeType="tmRoot">
+        <p:cTn id="19" dur="indefinite" restart="never" nodeType="tmRoot">
           <p:childTnLst>
             <p:seq>
-              <p:cTn id="22" nodeType="mainSeq"/>
+              <p:cTn id="20" nodeType="mainSeq"/>
               <p:prevCondLst>
                 <p:cond delay="0" evt="onPrev">
                   <p:tgtEl>
@@ -2150,7 +2323,7 @@
       </p:grpSpPr>
       <p:sp>
         <p:nvSpPr>
-          <p:cNvPr id="65" name="TextShape 1"/>
+          <p:cNvPr id="64" name="TextShape 1"/>
           <p:cNvSpPr txBox="1"/>
           <p:nvPr/>
         </p:nvSpPr>
@@ -2171,7 +2344,96 @@
               <a:rPr lang="en-US" sz="4400">
                 <a:latin typeface="Arial"/>
               </a:rPr>
-              <a:t>A rendszer szekvenciadiagramja</a:t>
+              <a:t>A rendszer architektúrája</a:t>
+            </a:r>
+            <a:endParaRPr/>
+          </a:p>
+        </p:txBody>
+      </p:sp>
+      <p:sp>
+        <p:nvSpPr>
+          <p:cNvPr id="65" name="TextShape 2"/>
+          <p:cNvSpPr txBox="1"/>
+          <p:nvPr/>
+        </p:nvSpPr>
+        <p:spPr>
+          <a:xfrm>
+            <a:off x="504000" y="1769040"/>
+            <a:ext cx="9071640" cy="4384440"/>
+          </a:xfrm>
+          <a:prstGeom prst="rect">
+            <a:avLst/>
+          </a:prstGeom>
+        </p:spPr>
+        <p:txBody>
+          <a:bodyPr lIns="0" rIns="0" tIns="0" bIns="0"/>
+          <a:p>
+            <a:pPr>
+              <a:buSzPct val="45000"/>
+              <a:buFont typeface="StarSymbol"/>
+              <a:buChar char=""/>
+            </a:pPr>
+            <a:r>
+              <a:rPr lang="en-US" sz="3200">
+                <a:latin typeface="Arial"/>
+              </a:rPr>
+              <a:t>Adatfeldolgozó komponens</a:t>
+            </a:r>
+            <a:endParaRPr/>
+          </a:p>
+          <a:p>
+            <a:pPr>
+              <a:buSzPct val="45000"/>
+              <a:buFont typeface="StarSymbol"/>
+              <a:buChar char=""/>
+            </a:pPr>
+            <a:r>
+              <a:rPr lang="en-US" sz="3200">
+                <a:latin typeface="Arial"/>
+              </a:rPr>
+              <a:t>Szerver komponens</a:t>
+            </a:r>
+            <a:endParaRPr/>
+          </a:p>
+          <a:p>
+            <a:pPr>
+              <a:buSzPct val="45000"/>
+              <a:buFont typeface="StarSymbol"/>
+              <a:buChar char=""/>
+            </a:pPr>
+            <a:r>
+              <a:rPr lang="en-US" sz="3200">
+                <a:latin typeface="Arial"/>
+              </a:rPr>
+              <a:t>Hadoop HDFS</a:t>
+            </a:r>
+            <a:endParaRPr/>
+          </a:p>
+          <a:p>
+            <a:pPr>
+              <a:buSzPct val="45000"/>
+              <a:buFont typeface="StarSymbol"/>
+              <a:buChar char=""/>
+            </a:pPr>
+            <a:r>
+              <a:rPr lang="en-US" sz="3200">
+                <a:latin typeface="Arial"/>
+              </a:rPr>
+              <a:t>MongoDB adatbázis</a:t>
+            </a:r>
+            <a:endParaRPr/>
+          </a:p>
+          <a:p>
+            <a:pPr>
+              <a:buSzPct val="45000"/>
+              <a:buFont typeface="StarSymbol"/>
+              <a:buChar char=""/>
+            </a:pPr>
+            <a:r>
+              <a:rPr lang="en-US" sz="3200">
+                <a:latin typeface="Arial"/>
+              </a:rPr>
+              <a:t>Kliens komponens</a:t>
             </a:r>
             <a:endParaRPr/>
           </a:p>
@@ -2191,8 +2453,8 @@
         </p:blipFill>
         <p:spPr>
           <a:xfrm>
-            <a:off x="0" y="1828800"/>
-            <a:ext cx="10079640" cy="5669280"/>
+            <a:off x="340200" y="4975920"/>
+            <a:ext cx="9235440" cy="2468880"/>
           </a:xfrm>
           <a:prstGeom prst="rect">
             <a:avLst/>
@@ -2207,10 +2469,10 @@
   <p:timing>
     <p:tnLst>
       <p:par>
-        <p:cTn id="23" dur="indefinite" restart="never" nodeType="tmRoot">
+        <p:cTn id="21" dur="indefinite" restart="never" nodeType="tmRoot">
           <p:childTnLst>
             <p:seq>
-              <p:cTn id="24" nodeType="mainSeq"/>
+              <p:cTn id="22" nodeType="mainSeq"/>
               <p:prevCondLst>
                 <p:cond delay="0" evt="onPrev">
                   <p:tgtEl>
@@ -2274,110 +2536,46 @@
               <a:rPr lang="en-US" sz="4400">
                 <a:latin typeface="Arial"/>
               </a:rPr>
-              <a:t>Adatfeldolgozó komponens funkciói</a:t>
-            </a:r>
-            <a:endParaRPr/>
-          </a:p>
-        </p:txBody>
-      </p:sp>
-      <p:sp>
-        <p:nvSpPr>
-          <p:cNvPr id="68" name="TextShape 2"/>
-          <p:cNvSpPr txBox="1"/>
+              <a:t>A rendszer szekvenciadiagramja</a:t>
+            </a:r>
+            <a:endParaRPr/>
+          </a:p>
+        </p:txBody>
+      </p:sp>
+      <p:pic>
+        <p:nvPicPr>
+          <p:cNvPr id="68" name="" descr=""/>
+          <p:cNvPicPr/>
           <p:nvPr/>
-        </p:nvSpPr>
-        <p:spPr>
-          <a:xfrm>
-            <a:off x="504000" y="1769040"/>
-            <a:ext cx="9071640" cy="4384440"/>
-          </a:xfrm>
-          <a:prstGeom prst="rect">
-            <a:avLst/>
-          </a:prstGeom>
-        </p:spPr>
-        <p:txBody>
-          <a:bodyPr lIns="0" rIns="0" tIns="0" bIns="0"/>
-          <a:p>
-            <a:pPr>
-              <a:buSzPct val="45000"/>
-              <a:buFont typeface="StarSymbol"/>
-              <a:buChar char=""/>
-            </a:pPr>
-            <a:r>
-              <a:rPr lang="en-US" sz="3200">
-                <a:latin typeface="Arial"/>
-              </a:rPr>
-              <a:t>XML dokumentumok beolvasása, kitömörítése</a:t>
-            </a:r>
-            <a:endParaRPr/>
-          </a:p>
-          <a:p>
-            <a:pPr>
-              <a:buSzPct val="45000"/>
-              <a:buFont typeface="StarSymbol"/>
-              <a:buChar char=""/>
-            </a:pPr>
-            <a:r>
-              <a:rPr lang="en-US" sz="3200">
-                <a:latin typeface="Arial"/>
-              </a:rPr>
-              <a:t>adatok elemzése: gyógyszer, gyártó, alapanyagok, útmutatók, figyelmeztetések</a:t>
-            </a:r>
-            <a:endParaRPr/>
-          </a:p>
-          <a:p>
-            <a:pPr>
-              <a:buSzPct val="45000"/>
-              <a:buFont typeface="StarSymbol"/>
-              <a:buChar char=""/>
-            </a:pPr>
-            <a:r>
-              <a:rPr lang="en-US" sz="3200">
-                <a:latin typeface="Arial"/>
-              </a:rPr>
-              <a:t>adatok beszúrása az adatbázisba</a:t>
-            </a:r>
-            <a:endParaRPr/>
-          </a:p>
-          <a:p>
-            <a:pPr>
-              <a:buSzPct val="45000"/>
-              <a:buFont typeface="StarSymbol"/>
-              <a:buChar char=""/>
-            </a:pPr>
-            <a:r>
-              <a:rPr lang="en-US" sz="3200">
-                <a:latin typeface="Arial"/>
-              </a:rPr>
-              <a:t>MetaMap eszköz futtatása és eredmények elemzése </a:t>
-            </a:r>
-            <a:endParaRPr/>
-          </a:p>
-          <a:p>
-            <a:pPr>
-              <a:buSzPct val="45000"/>
-              <a:buFont typeface="StarSymbol"/>
-              <a:buChar char=""/>
-            </a:pPr>
-            <a:r>
-              <a:rPr lang="en-US" sz="3200">
-                <a:latin typeface="Arial"/>
-              </a:rPr>
-              <a:t>adatbázis frissítése a találatokkal </a:t>
-            </a:r>
-            <a:endParaRPr/>
-          </a:p>
-        </p:txBody>
-      </p:sp>
+        </p:nvPicPr>
+        <p:blipFill>
+          <a:blip r:embed="rId1"/>
+          <a:stretch>
+            <a:fillRect/>
+          </a:stretch>
+        </p:blipFill>
+        <p:spPr>
+          <a:xfrm>
+            <a:off x="0" y="1828800"/>
+            <a:ext cx="10079640" cy="5669280"/>
+          </a:xfrm>
+          <a:prstGeom prst="rect">
+            <a:avLst/>
+          </a:prstGeom>
+          <a:ln>
+            <a:noFill/>
+          </a:ln>
+        </p:spPr>
+      </p:pic>
     </p:spTree>
   </p:cSld>
   <p:timing>
     <p:tnLst>
       <p:par>
-        <p:cTn id="25" dur="indefinite" restart="never" nodeType="tmRoot">
+        <p:cTn id="23" dur="indefinite" restart="never" nodeType="tmRoot">
           <p:childTnLst>
             <p:seq>
-              <p:cTn id="26" nodeType="mainSeq"/>
+              <p:cTn id="24" nodeType="mainSeq"/>
               <p:prevCondLst>
                 <p:cond delay="0" evt="onPrev">
                   <p:tgtEl>
@@ -2441,7 +2639,7 @@
               <a:rPr lang="en-US" sz="4400">
                 <a:latin typeface="Arial"/>
               </a:rPr>
-              <a:t>Szerver komponens funkciói</a:t>
+              <a:t>Adatfeldolgozó komponens funkciói</a:t>
             </a:r>
             <a:endParaRPr/>
           </a:p>
@@ -2474,49 +2672,63 @@
               <a:rPr lang="en-US" sz="3200">
                 <a:latin typeface="Arial"/>
               </a:rPr>
-              <a:t>Elérhetővé teszi az alkalmazást az Interneten</a:t>
-            </a:r>
-            <a:endParaRPr/>
-          </a:p>
-          <a:p>
-            <a:pPr>
-              <a:buSzPct val="45000"/>
-              <a:buFont typeface="StarSymbol"/>
-              <a:buChar char=""/>
-            </a:pPr>
-            <a:r>
-              <a:rPr lang="en-US" sz="3200">
-                <a:latin typeface="Arial"/>
-              </a:rPr>
-              <a:t>REST végpontok fenntartása: user, main, search entry</a:t>
-            </a:r>
-            <a:endParaRPr/>
-          </a:p>
-          <a:p>
-            <a:pPr>
-              <a:buSzPct val="45000"/>
-              <a:buFont typeface="StarSymbol"/>
-              <a:buChar char=""/>
-            </a:pPr>
-            <a:r>
-              <a:rPr lang="en-US" sz="3200">
-                <a:latin typeface="Arial"/>
-              </a:rPr>
-              <a:t>adatfeldolgozó komponens aktiválása</a:t>
-            </a:r>
-            <a:endParaRPr/>
-          </a:p>
-          <a:p>
-            <a:pPr>
-              <a:buSzPct val="45000"/>
-              <a:buFont typeface="StarSymbol"/>
-              <a:buChar char=""/>
-            </a:pPr>
-            <a:r>
-              <a:rPr lang="en-US" sz="3200">
-                <a:latin typeface="Arial"/>
-              </a:rPr>
-              <a:t>Pig lekérdezések futtatása </a:t>
+              <a:t>XML dokumentumok beolvasása, kitömörítése</a:t>
+            </a:r>
+            <a:endParaRPr/>
+          </a:p>
+          <a:p>
+            <a:pPr>
+              <a:buSzPct val="45000"/>
+              <a:buFont typeface="StarSymbol"/>
+              <a:buChar char=""/>
+            </a:pPr>
+            <a:r>
+              <a:rPr lang="en-US" sz="3200">
+                <a:latin typeface="Arial"/>
+              </a:rPr>
+              <a:t>adatok elemzése: gyógyszer, gyártó, alapanyagok, útmutatók, figyelmeztetések</a:t>
+            </a:r>
+            <a:endParaRPr/>
+          </a:p>
+          <a:p>
+            <a:pPr>
+              <a:buSzPct val="45000"/>
+              <a:buFont typeface="StarSymbol"/>
+              <a:buChar char=""/>
+            </a:pPr>
+            <a:r>
+              <a:rPr lang="en-US" sz="3200">
+                <a:latin typeface="Arial"/>
+              </a:rPr>
+              <a:t>adatok beszúrása az adatbázisba</a:t>
+            </a:r>
+            <a:endParaRPr/>
+          </a:p>
+          <a:p>
+            <a:pPr>
+              <a:buSzPct val="45000"/>
+              <a:buFont typeface="StarSymbol"/>
+              <a:buChar char=""/>
+            </a:pPr>
+            <a:r>
+              <a:rPr lang="en-US" sz="3200">
+                <a:latin typeface="Arial"/>
+              </a:rPr>
+              <a:t>MetaMap eszköz futtatása és eredmények elemzése </a:t>
+            </a:r>
+            <a:endParaRPr/>
+          </a:p>
+          <a:p>
+            <a:pPr>
+              <a:buSzPct val="45000"/>
+              <a:buFont typeface="StarSymbol"/>
+              <a:buChar char=""/>
+            </a:pPr>
+            <a:r>
+              <a:rPr lang="en-US" sz="3200">
+                <a:latin typeface="Arial"/>
+              </a:rPr>
+              <a:t>adatbázis frissítése a találatokkal </a:t>
             </a:r>
             <a:endParaRPr/>
           </a:p>
@@ -2527,10 +2739,10 @@
   <p:timing>
     <p:tnLst>
       <p:par>
-        <p:cTn id="27" dur="indefinite" restart="never" nodeType="tmRoot">
+        <p:cTn id="25" dur="indefinite" restart="never" nodeType="tmRoot">
           <p:childTnLst>
             <p:seq>
-              <p:cTn id="28" nodeType="mainSeq"/>
+              <p:cTn id="26" nodeType="mainSeq"/>
               <p:prevCondLst>
                 <p:cond delay="0" evt="onPrev">
                   <p:tgtEl>
@@ -2594,7 +2806,7 @@
               <a:rPr lang="en-US" sz="4400">
                 <a:latin typeface="Arial"/>
               </a:rPr>
-              <a:t>Kliens (frontend) komponens </a:t>
+              <a:t>Szerver komponens funkciói</a:t>
             </a:r>
             <a:endParaRPr/>
           </a:p>
@@ -2609,7 +2821,7 @@
         <p:spPr>
           <a:xfrm>
             <a:off x="504000" y="1769040"/>
-            <a:ext cx="9071640" cy="5454720"/>
+            <a:ext cx="9071640" cy="4384440"/>
           </a:xfrm>
           <a:prstGeom prst="rect">
             <a:avLst/>
@@ -2627,105 +2839,49 @@
               <a:rPr lang="en-US" sz="3200">
                 <a:latin typeface="Arial"/>
               </a:rPr>
-              <a:t>Böngészőben futó alkalmazást valósítja meg</a:t>
-            </a:r>
-            <a:endParaRPr/>
-          </a:p>
-          <a:p>
-            <a:pPr>
-              <a:buSzPct val="45000"/>
-              <a:buFont typeface="StarSymbol"/>
-              <a:buChar char=""/>
-            </a:pPr>
-            <a:r>
-              <a:rPr lang="en-US" sz="3200">
-                <a:latin typeface="Arial"/>
-              </a:rPr>
-              <a:t>SPA</a:t>
-            </a:r>
-            <a:endParaRPr/>
-          </a:p>
-          <a:p>
-            <a:pPr>
-              <a:buSzPct val="45000"/>
-              <a:buFont typeface="StarSymbol"/>
-              <a:buChar char=""/>
-            </a:pPr>
-            <a:r>
-              <a:rPr lang="en-US" sz="3200">
-                <a:latin typeface="Arial"/>
-              </a:rPr>
-              <a:t>Moduláris architektúrát követ: admin, common, main, users, widgets </a:t>
-            </a:r>
-            <a:endParaRPr/>
-          </a:p>
-          <a:p>
-            <a:pPr>
-              <a:buSzPct val="45000"/>
-              <a:buFont typeface="StarSymbol"/>
-              <a:buChar char=""/>
-            </a:pPr>
-            <a:r>
-              <a:rPr lang="en-US" sz="3200">
-                <a:latin typeface="Arial"/>
-              </a:rPr>
-              <a:t>Funkciói: </a:t>
-            </a:r>
-            <a:endParaRPr/>
-          </a:p>
-          <a:p>
-            <a:pPr>
-              <a:buSzPct val="45000"/>
-              <a:buFont typeface="StarSymbol"/>
-              <a:buChar char=""/>
-            </a:pPr>
-            <a:r>
-              <a:rPr lang="en-US" sz="3200">
-                <a:latin typeface="Arial"/>
-              </a:rPr>
-              <a:t>- felhasználó regisztrálása</a:t>
-            </a:r>
-            <a:endParaRPr/>
-          </a:p>
-          <a:p>
-            <a:pPr>
-              <a:buSzPct val="45000"/>
-              <a:buFont typeface="StarSymbol"/>
-              <a:buChar char=""/>
-            </a:pPr>
-            <a:r>
-              <a:rPr lang="en-US" sz="3200">
-                <a:latin typeface="Arial"/>
-              </a:rPr>
-              <a:t>- keresések biztosítása: gyógyszer, gyártó, alapanyag </a:t>
-            </a:r>
-            <a:endParaRPr/>
-          </a:p>
-          <a:p>
-            <a:pPr>
-              <a:buSzPct val="45000"/>
-              <a:buFont typeface="StarSymbol"/>
-              <a:buChar char=""/>
-            </a:pPr>
-            <a:r>
-              <a:rPr lang="en-US" sz="3200">
-                <a:latin typeface="Arial"/>
-              </a:rPr>
-              <a:t>- gyógyszerkölcsönhatások kimutatása</a:t>
-            </a:r>
-            <a:endParaRPr/>
-          </a:p>
-          <a:p>
-            <a:pPr>
-              <a:buSzPct val="45000"/>
-              <a:buFont typeface="StarSymbol"/>
-              <a:buChar char=""/>
-            </a:pPr>
-            <a:r>
-              <a:rPr lang="en-US" sz="3200">
-                <a:latin typeface="Arial"/>
-              </a:rPr>
-              <a:t>- előzmények megjelenítése</a:t>
+              <a:t>Elérhetővé teszi az alkalmazást az Interneten</a:t>
+            </a:r>
+            <a:endParaRPr/>
+          </a:p>
+          <a:p>
+            <a:pPr>
+              <a:buSzPct val="45000"/>
+              <a:buFont typeface="StarSymbol"/>
+              <a:buChar char=""/>
+            </a:pPr>
+            <a:r>
+              <a:rPr lang="en-US" sz="3200">
+                <a:latin typeface="Arial"/>
+              </a:rPr>
+              <a:t>REST végpontok fenntartása: user, main, search entry</a:t>
+            </a:r>
+            <a:endParaRPr/>
+          </a:p>
+          <a:p>
+            <a:pPr>
+              <a:buSzPct val="45000"/>
+              <a:buFont typeface="StarSymbol"/>
+              <a:buChar char=""/>
+            </a:pPr>
+            <a:r>
+              <a:rPr lang="en-US" sz="3200">
+                <a:latin typeface="Arial"/>
+              </a:rPr>
+              <a:t>adatfeldolgozó komponens aktiválása</a:t>
+            </a:r>
+            <a:endParaRPr/>
+          </a:p>
+          <a:p>
+            <a:pPr>
+              <a:buSzPct val="45000"/>
+              <a:buFont typeface="StarSymbol"/>
+              <a:buChar char=""/>
+            </a:pPr>
+            <a:r>
+              <a:rPr lang="en-US" sz="3200">
+                <a:latin typeface="Arial"/>
+              </a:rPr>
+              <a:t>Pig lekérdezések futtatása </a:t>
             </a:r>
             <a:endParaRPr/>
           </a:p>
@@ -2736,10 +2892,10 @@
   <p:timing>
     <p:tnLst>
       <p:par>
-        <p:cTn id="29" dur="indefinite" restart="never" nodeType="tmRoot">
+        <p:cTn id="27" dur="indefinite" restart="never" nodeType="tmRoot">
           <p:childTnLst>
             <p:seq>
-              <p:cTn id="30" nodeType="mainSeq"/>
+              <p:cTn id="28" nodeType="mainSeq"/>
               <p:prevCondLst>
                 <p:cond delay="0" evt="onPrev">
                   <p:tgtEl>
@@ -2803,46 +2959,152 @@
               <a:rPr lang="en-US" sz="4400">
                 <a:latin typeface="Arial"/>
               </a:rPr>
-              <a:t>Main modul road map diagramja</a:t>
-            </a:r>
-            <a:endParaRPr/>
-          </a:p>
-        </p:txBody>
-      </p:sp>
-      <p:pic>
-        <p:nvPicPr>
-          <p:cNvPr id="74" name="" descr=""/>
-          <p:cNvPicPr/>
+              <a:t>Kliens (frontend) komponens </a:t>
+            </a:r>
+            <a:endParaRPr/>
+          </a:p>
+        </p:txBody>
+      </p:sp>
+      <p:sp>
+        <p:nvSpPr>
+          <p:cNvPr id="74" name="TextShape 2"/>
+          <p:cNvSpPr txBox="1"/>
           <p:nvPr/>
-        </p:nvPicPr>
-        <p:blipFill>
-          <a:blip r:embed="rId1"/>
-          <a:stretch>
-            <a:fillRect/>
-          </a:stretch>
-        </p:blipFill>
-        <p:spPr>
-          <a:xfrm>
-            <a:off x="1005840" y="1585800"/>
-            <a:ext cx="8167680" cy="5546520"/>
-          </a:xfrm>
-          <a:prstGeom prst="rect">
-            <a:avLst/>
-          </a:prstGeom>
-          <a:ln>
-            <a:noFill/>
-          </a:ln>
-        </p:spPr>
-      </p:pic>
+        </p:nvSpPr>
+        <p:spPr>
+          <a:xfrm>
+            <a:off x="504000" y="1769040"/>
+            <a:ext cx="9071640" cy="5454720"/>
+          </a:xfrm>
+          <a:prstGeom prst="rect">
+            <a:avLst/>
+          </a:prstGeom>
+        </p:spPr>
+        <p:txBody>
+          <a:bodyPr lIns="0" rIns="0" tIns="0" bIns="0"/>
+          <a:p>
+            <a:pPr>
+              <a:buSzPct val="45000"/>
+              <a:buFont typeface="StarSymbol"/>
+              <a:buChar char=""/>
+            </a:pPr>
+            <a:r>
+              <a:rPr lang="en-US" sz="3200">
+                <a:latin typeface="Arial"/>
+              </a:rPr>
+              <a:t>Böngészőben futó alkalmazást valósítja meg</a:t>
+            </a:r>
+            <a:endParaRPr/>
+          </a:p>
+          <a:p>
+            <a:pPr>
+              <a:buSzPct val="45000"/>
+              <a:buFont typeface="StarSymbol"/>
+              <a:buChar char=""/>
+            </a:pPr>
+            <a:r>
+              <a:rPr lang="en-US" sz="3200">
+                <a:latin typeface="Arial"/>
+              </a:rPr>
+              <a:t>SPA</a:t>
+            </a:r>
+            <a:endParaRPr/>
+          </a:p>
+          <a:p>
+            <a:pPr>
+              <a:buSzPct val="45000"/>
+              <a:buFont typeface="StarSymbol"/>
+              <a:buChar char=""/>
+            </a:pPr>
+            <a:r>
+              <a:rPr lang="en-US" sz="3200">
+                <a:latin typeface="Arial"/>
+              </a:rPr>
+              <a:t>Moduláris architektúrát követ: admin, common, main, users, widgets </a:t>
+            </a:r>
+            <a:endParaRPr/>
+          </a:p>
+          <a:p>
+            <a:pPr>
+              <a:buSzPct val="45000"/>
+              <a:buFont typeface="StarSymbol"/>
+              <a:buChar char=""/>
+            </a:pPr>
+            <a:r>
+              <a:rPr lang="en-US" sz="3200">
+                <a:latin typeface="Arial"/>
+              </a:rPr>
+              <a:t>Funkciói: </a:t>
+            </a:r>
+            <a:endParaRPr/>
+          </a:p>
+          <a:p>
+            <a:pPr>
+              <a:buSzPct val="45000"/>
+              <a:buFont typeface="StarSymbol"/>
+              <a:buChar char=""/>
+            </a:pPr>
+            <a:r>
+              <a:rPr lang="en-US" sz="3200">
+                <a:latin typeface="Arial"/>
+              </a:rPr>
+              <a:t>- felhasználó regisztrálása</a:t>
+            </a:r>
+            <a:endParaRPr/>
+          </a:p>
+          <a:p>
+            <a:pPr>
+              <a:buSzPct val="45000"/>
+              <a:buFont typeface="StarSymbol"/>
+              <a:buChar char=""/>
+            </a:pPr>
+            <a:r>
+              <a:rPr lang="en-US" sz="3200">
+                <a:latin typeface="Arial"/>
+              </a:rPr>
+              <a:t>- keresések biztosítása: gyógyszer, gyártó, alapanyag </a:t>
+            </a:r>
+            <a:endParaRPr/>
+          </a:p>
+          <a:p>
+            <a:pPr>
+              <a:buSzPct val="45000"/>
+              <a:buFont typeface="StarSymbol"/>
+              <a:buChar char=""/>
+            </a:pPr>
+            <a:r>
+              <a:rPr lang="en-US" sz="3200">
+                <a:latin typeface="Arial"/>
+              </a:rPr>
+              <a:t>- gyógyszerkölcsönhatások kimutatása</a:t>
+            </a:r>
+            <a:endParaRPr/>
+          </a:p>
+          <a:p>
+            <a:pPr>
+              <a:buSzPct val="45000"/>
+              <a:buFont typeface="StarSymbol"/>
+              <a:buChar char=""/>
+            </a:pPr>
+            <a:r>
+              <a:rPr lang="en-US" sz="3200">
+                <a:latin typeface="Arial"/>
+              </a:rPr>
+              <a:t>- előzmények megjelenítése</a:t>
+            </a:r>
+            <a:endParaRPr/>
+          </a:p>
+        </p:txBody>
+      </p:sp>
     </p:spTree>
   </p:cSld>
   <p:timing>
     <p:tnLst>
       <p:par>
-        <p:cTn id="31" dur="indefinite" restart="never" nodeType="tmRoot">
+        <p:cTn id="29" dur="indefinite" restart="never" nodeType="tmRoot">
           <p:childTnLst>
             <p:seq>
-              <p:cTn id="32" nodeType="mainSeq"/>
+              <p:cTn id="30" nodeType="mainSeq"/>
               <p:prevCondLst>
                 <p:cond delay="0" evt="onPrev">
                   <p:tgtEl>
@@ -2906,7 +3168,7 @@
               <a:rPr lang="en-US" sz="4400">
                 <a:latin typeface="Arial"/>
               </a:rPr>
-              <a:t>Adatfeldolgozás aktiválása</a:t>
+              <a:t>Main modul road map diagramja</a:t>
             </a:r>
             <a:endParaRPr/>
           </a:p>
@@ -2926,8 +3188,8 @@
         </p:blipFill>
         <p:spPr>
           <a:xfrm>
-            <a:off x="503640" y="2720880"/>
-            <a:ext cx="9071640" cy="2480040"/>
+            <a:off x="1005840" y="1585800"/>
+            <a:ext cx="8167680" cy="5546520"/>
           </a:xfrm>
           <a:prstGeom prst="rect">
             <a:avLst/>
@@ -2942,10 +3204,10 @@
   <p:timing>
     <p:tnLst>
       <p:par>
-        <p:cTn id="33" dur="indefinite" restart="never" nodeType="tmRoot">
+        <p:cTn id="31" dur="indefinite" restart="never" nodeType="tmRoot">
           <p:childTnLst>
             <p:seq>
-              <p:cTn id="34" nodeType="mainSeq"/>
+              <p:cTn id="32" nodeType="mainSeq"/>
               <p:prevCondLst>
                 <p:cond delay="0" evt="onPrev">
                   <p:tgtEl>
@@ -3009,7 +3271,7 @@
               <a:rPr lang="en-US" sz="4400">
                 <a:latin typeface="Arial"/>
               </a:rPr>
-              <a:t>Gyógyszer keresése</a:t>
+              <a:t>Adatfeldolgozás aktiválása</a:t>
             </a:r>
             <a:endParaRPr/>
           </a:p>
@@ -3029,8 +3291,8 @@
         </p:blipFill>
         <p:spPr>
           <a:xfrm>
-            <a:off x="1142280" y="2145600"/>
-            <a:ext cx="7794720" cy="3630240"/>
+            <a:off x="503640" y="2720880"/>
+            <a:ext cx="9071640" cy="2480040"/>
           </a:xfrm>
           <a:prstGeom prst="rect">
             <a:avLst/>
@@ -3045,10 +3307,10 @@
   <p:timing>
     <p:tnLst>
       <p:par>
-        <p:cTn id="35" dur="indefinite" restart="never" nodeType="tmRoot">
+        <p:cTn id="33" dur="indefinite" restart="never" nodeType="tmRoot">
           <p:childTnLst>
             <p:seq>
-              <p:cTn id="36" nodeType="mainSeq"/>
+              <p:cTn id="34" nodeType="mainSeq"/>
               <p:prevCondLst>
                 <p:cond delay="0" evt="onPrev">
                   <p:tgtEl>
@@ -3112,7 +3374,7 @@
               <a:rPr lang="en-US" sz="4400">
                 <a:latin typeface="Arial"/>
               </a:rPr>
-              <a:t>Gyógyszerkölcsönhatások megjelenítése</a:t>
+              <a:t>Gyógyszer keresése</a:t>
             </a:r>
             <a:endParaRPr/>
           </a:p>
@@ -3132,8 +3394,8 @@
         </p:blipFill>
         <p:spPr>
           <a:xfrm>
-            <a:off x="503640" y="1968480"/>
-            <a:ext cx="9071640" cy="3985200"/>
+            <a:off x="1142280" y="2145600"/>
+            <a:ext cx="7794720" cy="3630240"/>
           </a:xfrm>
           <a:prstGeom prst="rect">
             <a:avLst/>
@@ -3148,10 +3410,10 @@
   <p:timing>
     <p:tnLst>
       <p:par>
-        <p:cTn id="37" dur="indefinite" restart="never" nodeType="tmRoot">
+        <p:cTn id="35" dur="indefinite" restart="never" nodeType="tmRoot">
           <p:childTnLst>
             <p:seq>
-              <p:cTn id="38" nodeType="mainSeq"/>
+              <p:cTn id="36" nodeType="mainSeq"/>
               <p:prevCondLst>
                 <p:cond delay="0" evt="onPrev">
                   <p:tgtEl>
@@ -3368,7 +3630,7 @@
         <p:spPr>
           <a:xfrm>
             <a:off x="504000" y="301320"/>
-            <a:ext cx="9071640" cy="978840"/>
+            <a:ext cx="9071640" cy="1262160"/>
           </a:xfrm>
           <a:prstGeom prst="rect">
             <a:avLst/>
@@ -3382,20 +3644,123 @@
               <a:rPr lang="en-US" sz="4400">
                 <a:latin typeface="Arial"/>
               </a:rPr>
-              <a:t>Eredmények</a:t>
-            </a:r>
-            <a:endParaRPr/>
-          </a:p>
-        </p:txBody>
-      </p:sp>
-      <p:sp>
-        <p:nvSpPr>
-          <p:cNvPr id="82" name="TextShape 2"/>
+              <a:t>Gyógyszerkölcsönhatások megjelenítése</a:t>
+            </a:r>
+            <a:endParaRPr/>
+          </a:p>
+        </p:txBody>
+      </p:sp>
+      <p:pic>
+        <p:nvPicPr>
+          <p:cNvPr id="82" name="" descr=""/>
+          <p:cNvPicPr/>
+          <p:nvPr/>
+        </p:nvPicPr>
+        <p:blipFill>
+          <a:blip r:embed="rId1"/>
+          <a:stretch>
+            <a:fillRect/>
+          </a:stretch>
+        </p:blipFill>
+        <p:spPr>
+          <a:xfrm>
+            <a:off x="503640" y="1968480"/>
+            <a:ext cx="9071640" cy="3985200"/>
+          </a:xfrm>
+          <a:prstGeom prst="rect">
+            <a:avLst/>
+          </a:prstGeom>
+          <a:ln>
+            <a:noFill/>
+          </a:ln>
+        </p:spPr>
+      </p:pic>
+    </p:spTree>
+  </p:cSld>
+  <p:timing>
+    <p:tnLst>
+      <p:par>
+        <p:cTn id="37" dur="indefinite" restart="never" nodeType="tmRoot">
+          <p:childTnLst>
+            <p:seq>
+              <p:cTn id="38" nodeType="mainSeq"/>
+              <p:prevCondLst>
+                <p:cond delay="0" evt="onPrev">
+                  <p:tgtEl>
+                    <p:sldTgt/>
+                  </p:tgtEl>
+                </p:cond>
+              </p:prevCondLst>
+              <p:nextCondLst>
+                <p:cond delay="0" evt="onNext">
+                  <p:tgtEl>
+                    <p:sldTgt/>
+                  </p:tgtEl>
+                </p:cond>
+              </p:nextCondLst>
+            </p:seq>
+          </p:childTnLst>
+        </p:cTn>
+      </p:par>
+    </p:tnLst>
+  </p:timing>
+</p:sld>
+</file>
+
+<file path=ppt/slides/slide21.xml><?xml version="1.0" encoding="utf-8"?>
+<p:sld xmlns:a="http://schemas.openxmlformats.org/drawingml/2006/main" xmlns:p="http://schemas.openxmlformats.org/presentationml/2006/main" xmlns:r="http://schemas.openxmlformats.org/officeDocument/2006/relationships">
+  <p:cSld>
+    <p:spTree>
+      <p:nvGrpSpPr>
+        <p:cNvPr id="1" name=""/>
+        <p:cNvGrpSpPr/>
+        <p:nvPr/>
+      </p:nvGrpSpPr>
+      <p:grpSpPr>
+        <a:xfrm>
+          <a:off x="0" y="0"/>
+          <a:ext cx="0" cy="0"/>
+          <a:chOff x="0" y="0"/>
+          <a:chExt cx="0" cy="0"/>
+        </a:xfrm>
+      </p:grpSpPr>
+      <p:sp>
+        <p:nvSpPr>
+          <p:cNvPr id="83" name="TextShape 1"/>
           <p:cNvSpPr txBox="1"/>
           <p:nvPr/>
         </p:nvSpPr>
         <p:spPr>
           <a:xfrm>
+            <a:off x="504000" y="301320"/>
+            <a:ext cx="9071640" cy="978840"/>
+          </a:xfrm>
+          <a:prstGeom prst="rect">
+            <a:avLst/>
+          </a:prstGeom>
+        </p:spPr>
+        <p:txBody>
+          <a:bodyPr lIns="0" rIns="0" tIns="0" bIns="0" anchor="ctr"/>
+          <a:p>
+            <a:pPr algn="ctr"/>
+            <a:r>
+              <a:rPr lang="en-US" sz="4400">
+                <a:latin typeface="Arial"/>
+              </a:rPr>
+              <a:t>Eredmények</a:t>
+            </a:r>
+            <a:endParaRPr/>
+          </a:p>
+        </p:txBody>
+      </p:sp>
+      <p:sp>
+        <p:nvSpPr>
+          <p:cNvPr id="84" name="TextShape 2"/>
+          <p:cNvSpPr txBox="1"/>
+          <p:nvPr/>
+        </p:nvSpPr>
+        <p:spPr>
+          <a:xfrm>
             <a:off x="504000" y="1188720"/>
             <a:ext cx="9071640" cy="3017520"/>
           </a:xfrm>
@@ -3495,7 +3860,7 @@
       </p:sp>
       <p:graphicFrame>
         <p:nvGraphicFramePr>
-          <p:cNvPr id="83" name="Table 3"/>
+          <p:cNvPr id="85" name="Table 3"/>
           <p:cNvGraphicFramePr/>
           <p:nvPr/>
         </p:nvGraphicFramePr>
@@ -3655,7 +4020,7 @@
       </p:graphicFrame>
       <p:sp>
         <p:nvSpPr>
-          <p:cNvPr id="84" name="TextShape 4"/>
+          <p:cNvPr id="86" name="TextShape 4"/>
           <p:cNvSpPr txBox="1"/>
           <p:nvPr/>
         </p:nvSpPr>
@@ -3724,7 +4089,7 @@
 </p:sld>
 </file>
 
-<file path=ppt/slides/slide21.xml><?xml version="1.0" encoding="utf-8"?>
+<file path=ppt/slides/slide22.xml><?xml version="1.0" encoding="utf-8"?>
 <p:sld xmlns:a="http://schemas.openxmlformats.org/drawingml/2006/main" xmlns:p="http://schemas.openxmlformats.org/presentationml/2006/main" xmlns:r="http://schemas.openxmlformats.org/officeDocument/2006/relationships">
   <p:cSld>
     <p:spTree>
@@ -3743,7 +4108,7 @@
       </p:grpSpPr>
       <p:sp>
         <p:nvSpPr>
-          <p:cNvPr id="85" name="TextShape 1"/>
+          <p:cNvPr id="87" name="TextShape 1"/>
           <p:cNvSpPr txBox="1"/>
           <p:nvPr/>
         </p:nvSpPr>
@@ -3772,7 +4137,7 @@
       </p:sp>
       <p:sp>
         <p:nvSpPr>
-          <p:cNvPr id="86" name="TextShape 2"/>
+          <p:cNvPr id="88" name="TextShape 2"/>
           <p:cNvSpPr txBox="1"/>
           <p:nvPr/>
         </p:nvSpPr>
@@ -3821,7 +4186,7 @@
       </p:sp>
       <p:graphicFrame>
         <p:nvGraphicFramePr>
-          <p:cNvPr id="87" name="Table 3"/>
+          <p:cNvPr id="89" name="Table 3"/>
           <p:cNvGraphicFramePr/>
           <p:nvPr/>
         </p:nvGraphicFramePr>
@@ -4065,7 +4430,7 @@
 </p:sld>
 </file>
 
-<file path=ppt/slides/slide22.xml><?xml version="1.0" encoding="utf-8"?>
+<file path=ppt/slides/slide23.xml><?xml version="1.0" encoding="utf-8"?>
 <p:sld xmlns:a="http://schemas.openxmlformats.org/drawingml/2006/main" xmlns:p="http://schemas.openxmlformats.org/presentationml/2006/main" xmlns:r="http://schemas.openxmlformats.org/officeDocument/2006/relationships">
   <p:cSld>
     <p:spTree>
@@ -4084,7 +4449,7 @@
       </p:grpSpPr>
       <p:sp>
         <p:nvSpPr>
-          <p:cNvPr id="88" name="TextShape 1"/>
+          <p:cNvPr id="90" name="TextShape 1"/>
           <p:cNvSpPr txBox="1"/>
           <p:nvPr/>
         </p:nvSpPr>
@@ -4113,7 +4478,7 @@
       </p:sp>
       <p:sp>
         <p:nvSpPr>
-          <p:cNvPr id="89" name="TextShape 2"/>
+          <p:cNvPr id="91" name="TextShape 2"/>
           <p:cNvSpPr txBox="1"/>
           <p:nvPr/>
         </p:nvSpPr>
@@ -4160,7 +4525,7 @@
       </p:sp>
       <p:graphicFrame>
         <p:nvGraphicFramePr>
-          <p:cNvPr id="90" name="Table 3"/>
+          <p:cNvPr id="92" name="Table 3"/>
           <p:cNvGraphicFramePr/>
           <p:nvPr/>
         </p:nvGraphicFramePr>
@@ -4314,7 +4679,7 @@
 </p:sld>
 </file>
 
-<file path=ppt/slides/slide23.xml><?xml version="1.0" encoding="utf-8"?>
+<file path=ppt/slides/slide24.xml><?xml version="1.0" encoding="utf-8"?>
 <p:sld xmlns:a="http://schemas.openxmlformats.org/drawingml/2006/main" xmlns:p="http://schemas.openxmlformats.org/presentationml/2006/main" xmlns:r="http://schemas.openxmlformats.org/officeDocument/2006/relationships">
   <p:cSld>
     <p:spTree>
@@ -4333,7 +4698,7 @@
       </p:grpSpPr>
       <p:sp>
         <p:nvSpPr>
-          <p:cNvPr id="91" name="TextShape 1"/>
+          <p:cNvPr id="93" name="TextShape 1"/>
           <p:cNvSpPr txBox="1"/>
           <p:nvPr/>
         </p:nvSpPr>
@@ -4362,7 +4727,7 @@
       </p:sp>
       <p:sp>
         <p:nvSpPr>
-          <p:cNvPr id="92" name="TextShape 2"/>
+          <p:cNvPr id="94" name="TextShape 2"/>
           <p:cNvSpPr txBox="1"/>
           <p:nvPr/>
         </p:nvSpPr>
@@ -4403,7 +4768,7 @@
       </p:sp>
       <p:pic>
         <p:nvPicPr>
-          <p:cNvPr id="93" name="" descr=""/>
+          <p:cNvPr id="95" name="" descr=""/>
           <p:cNvPicPr/>
           <p:nvPr/>
         </p:nvPicPr>
@@ -4458,7 +4823,7 @@
 </p:sld>
 </file>
 
-<file path=ppt/slides/slide24.xml><?xml version="1.0" encoding="utf-8"?>
+<file path=ppt/slides/slide25.xml><?xml version="1.0" encoding="utf-8"?>
 <p:sld xmlns:a="http://schemas.openxmlformats.org/drawingml/2006/main" xmlns:p="http://schemas.openxmlformats.org/presentationml/2006/main" xmlns:r="http://schemas.openxmlformats.org/officeDocument/2006/relationships">
   <p:cSld>
     <p:spTree>
@@ -4477,7 +4842,7 @@
       </p:grpSpPr>
       <p:sp>
         <p:nvSpPr>
-          <p:cNvPr id="94" name="TextShape 1"/>
+          <p:cNvPr id="96" name="TextShape 1"/>
           <p:cNvSpPr txBox="1"/>
           <p:nvPr/>
         </p:nvSpPr>
@@ -4506,7 +4871,7 @@
       </p:sp>
       <p:sp>
         <p:nvSpPr>
-          <p:cNvPr id="95" name="TextShape 2"/>
+          <p:cNvPr id="97" name="TextShape 2"/>
           <p:cNvSpPr txBox="1"/>
           <p:nvPr/>
         </p:nvSpPr>
@@ -4539,7 +4904,7 @@
       </p:sp>
       <p:graphicFrame>
         <p:nvGraphicFramePr>
-          <p:cNvPr id="96" name=""/>
+          <p:cNvPr id="98" name=""/>
           <p:cNvGraphicFramePr/>
           <p:nvPr/>
         </p:nvGraphicFramePr>
@@ -4585,7 +4950,7 @@
 </p:sld>
 </file>
 
-<file path=ppt/slides/slide25.xml><?xml version="1.0" encoding="utf-8"?>
+<file path=ppt/slides/slide26.xml><?xml version="1.0" encoding="utf-8"?>
 <p:sld xmlns:a="http://schemas.openxmlformats.org/drawingml/2006/main" xmlns:p="http://schemas.openxmlformats.org/presentationml/2006/main" xmlns:r="http://schemas.openxmlformats.org/officeDocument/2006/relationships">
   <p:cSld>
     <p:spTree>
@@ -4604,7 +4969,7 @@
       </p:grpSpPr>
       <p:sp>
         <p:nvSpPr>
-          <p:cNvPr id="97" name="TextShape 1"/>
+          <p:cNvPr id="99" name="TextShape 1"/>
           <p:cNvSpPr txBox="1"/>
           <p:nvPr/>
         </p:nvSpPr>
@@ -4633,7 +4998,7 @@
       </p:sp>
       <p:sp>
         <p:nvSpPr>
-          <p:cNvPr id="98" name="TextShape 2"/>
+          <p:cNvPr id="100" name="TextShape 2"/>
           <p:cNvSpPr txBox="1"/>
           <p:nvPr/>
         </p:nvSpPr>
@@ -4680,7 +5045,7 @@
       </p:sp>
       <p:graphicFrame>
         <p:nvGraphicFramePr>
-          <p:cNvPr id="99" name="Table 3"/>
+          <p:cNvPr id="101" name="Table 3"/>
           <p:cNvGraphicFramePr/>
           <p:nvPr/>
         </p:nvGraphicFramePr>
@@ -4933,7 +5298,7 @@
 </p:sld>
 </file>
 
-<file path=ppt/slides/slide26.xml><?xml version="1.0" encoding="utf-8"?>
+<file path=ppt/slides/slide27.xml><?xml version="1.0" encoding="utf-8"?>
 <p:sld xmlns:a="http://schemas.openxmlformats.org/drawingml/2006/main" xmlns:p="http://schemas.openxmlformats.org/presentationml/2006/main" xmlns:r="http://schemas.openxmlformats.org/officeDocument/2006/relationships">
   <p:cSld>
     <p:spTree>
@@ -4952,7 +5317,7 @@
       </p:grpSpPr>
       <p:sp>
         <p:nvSpPr>
-          <p:cNvPr id="100" name="TextShape 1"/>
+          <p:cNvPr id="102" name="TextShape 1"/>
           <p:cNvSpPr txBox="1"/>
           <p:nvPr/>
         </p:nvSpPr>
@@ -4981,7 +5346,7 @@
       </p:sp>
       <p:sp>
         <p:nvSpPr>
-          <p:cNvPr id="101" name="TextShape 2"/>
+          <p:cNvPr id="103" name="TextShape 2"/>
           <p:cNvSpPr txBox="1"/>
           <p:nvPr/>
         </p:nvSpPr>
@@ -6983,122 +7348,212 @@
               <a:rPr lang="en-US" sz="4400">
                 <a:latin typeface="Arial"/>
               </a:rPr>
-              <a:t>SPARQL</a:t>
-            </a:r>
-            <a:endParaRPr/>
-          </a:p>
-        </p:txBody>
-      </p:sp>
-      <p:pic>
-        <p:nvPicPr>
-          <p:cNvPr id="55" name="" descr=""/>
-          <p:cNvPicPr/>
-          <p:nvPr/>
-        </p:nvPicPr>
-        <p:blipFill>
-          <a:blip r:embed="rId1"/>
-          <a:stretch>
-            <a:fillRect/>
-          </a:stretch>
-        </p:blipFill>
-        <p:spPr>
-          <a:xfrm>
-            <a:off x="457200" y="3840480"/>
-            <a:ext cx="9071640" cy="2780280"/>
-          </a:xfrm>
-          <a:prstGeom prst="rect">
-            <a:avLst/>
-          </a:prstGeom>
-          <a:ln>
-            <a:noFill/>
-          </a:ln>
-        </p:spPr>
-      </p:pic>
-      <p:sp>
-        <p:nvSpPr>
-          <p:cNvPr id="56" name="TextShape 2"/>
+              <a:t>Pig szkript példa</a:t>
+            </a:r>
+            <a:endParaRPr/>
+          </a:p>
+        </p:txBody>
+      </p:sp>
+      <p:sp>
+        <p:nvSpPr>
+          <p:cNvPr id="55" name="TextShape 2"/>
           <p:cNvSpPr txBox="1"/>
           <p:nvPr/>
         </p:nvSpPr>
         <p:spPr>
           <a:xfrm>
-            <a:off x="457200" y="1563480"/>
-            <a:ext cx="8961120" cy="2075040"/>
-          </a:xfrm>
-          <a:prstGeom prst="rect">
-            <a:avLst/>
-          </a:prstGeom>
-        </p:spPr>
-        <p:txBody>
-          <a:bodyPr lIns="90000" rIns="90000" tIns="45000" bIns="45000"/>
-          <a:p>
-            <a:pPr>
-              <a:buSzPct val="45000"/>
-              <a:buFont typeface="StarSymbol"/>
-              <a:buChar char=""/>
-            </a:pPr>
-            <a:r>
-              <a:rPr lang="en-US" sz="3200">
-                <a:latin typeface="Arial"/>
-              </a:rPr>
-              <a:t>SPARQL Protocol and RDF Query Language</a:t>
-            </a:r>
-            <a:endParaRPr/>
-          </a:p>
-          <a:p>
-            <a:pPr>
-              <a:buSzPct val="45000"/>
-              <a:buFont typeface="StarSymbol"/>
-              <a:buChar char=""/>
-            </a:pPr>
-            <a:r>
-              <a:rPr lang="en-US" sz="3200">
-                <a:latin typeface="Arial"/>
-              </a:rPr>
-              <a:t>Része a szemantikus webnek</a:t>
-            </a:r>
-            <a:endParaRPr/>
-          </a:p>
-          <a:p>
-            <a:pPr>
-              <a:buSzPct val="45000"/>
-              <a:buFont typeface="StarSymbol"/>
-              <a:buChar char=""/>
-            </a:pPr>
-            <a:r>
-              <a:rPr lang="en-US" sz="3200">
-                <a:latin typeface="Arial"/>
-              </a:rPr>
-              <a:t>SPARQL csomópont </a:t>
-            </a:r>
-            <a:r>
-              <a:rPr lang="en-US" sz="3200">
-                <a:latin typeface="Arial"/>
-              </a:rPr>
-              <a:t>http://dbpedia.org/snorql/</a:t>
-            </a:r>
-            <a:endParaRPr/>
-          </a:p>
-          <a:p>
-            <a:endParaRPr/>
-          </a:p>
-        </p:txBody>
-      </p:sp>
-      <p:sp>
-        <p:nvSpPr>
-          <p:cNvPr id="57" name="TextShape 3"/>
-          <p:cNvSpPr txBox="1"/>
-          <p:nvPr/>
-        </p:nvSpPr>
-        <p:spPr>
-          <a:xfrm>
-            <a:off x="1371600" y="1920240"/>
-            <a:ext cx="180720" cy="346320"/>
-          </a:xfrm>
-          <a:prstGeom prst="rect">
-            <a:avLst/>
-          </a:prstGeom>
-        </p:spPr>
+            <a:off x="504000" y="1769040"/>
+            <a:ext cx="9071640" cy="5546160"/>
+          </a:xfrm>
+          <a:prstGeom prst="rect">
+            <a:avLst/>
+          </a:prstGeom>
+        </p:spPr>
+        <p:txBody>
+          <a:bodyPr lIns="0" rIns="0" tIns="0" bIns="0"/>
+          <a:p>
+            <a:pPr>
+              <a:buSzPct val="45000"/>
+              <a:buFont typeface="StarSymbol"/>
+              <a:buChar char=""/>
+            </a:pPr>
+            <a:r>
+              <a:rPr lang="en-US" sz="3200">
+                <a:latin typeface="Arial"/>
+              </a:rPr>
+              <a:t>drugs = LOAD 'mongodb://localhost:27017/drugsdb.drugs'</a:t>
+            </a:r>
+            <a:endParaRPr/>
+          </a:p>
+          <a:p>
+            <a:pPr>
+              <a:buSzPct val="45000"/>
+              <a:buFont typeface="StarSymbol"/>
+              <a:buChar char=""/>
+            </a:pPr>
+            <a:r>
+              <a:rPr lang="en-US" sz="3200">
+                <a:latin typeface="Arial"/>
+              </a:rPr>
+              <a:t>             </a:t>
+            </a:r>
+            <a:r>
+              <a:rPr lang="en-US" sz="3200">
+                <a:latin typeface="Arial"/>
+              </a:rPr>
+              <a:t>USING com.mongodb.hadoop.pig.MongoLoader('name: chararray, producerId: chararray, producerName: chararray, ingredients'); </a:t>
+            </a:r>
+            <a:endParaRPr/>
+          </a:p>
+          <a:p>
+            <a:pPr>
+              <a:buSzPct val="45000"/>
+              <a:buFont typeface="StarSymbol"/>
+              <a:buChar char=""/>
+            </a:pPr>
+            <a:endParaRPr/>
+          </a:p>
+          <a:p>
+            <a:pPr>
+              <a:buSzPct val="45000"/>
+              <a:buFont typeface="StarSymbol"/>
+              <a:buChar char=""/>
+            </a:pPr>
+            <a:r>
+              <a:rPr lang="en-US" sz="3200">
+                <a:latin typeface="Arial"/>
+              </a:rPr>
+              <a:t>drugs2 = FOREACH drugs GENERATE name, producerId, producerName, js.createSubstancesBag(ingredients) AS ingredients:{t:(id, name, code)};</a:t>
+            </a:r>
+            <a:endParaRPr/>
+          </a:p>
+          <a:p>
+            <a:pPr>
+              <a:buSzPct val="45000"/>
+              <a:buFont typeface="StarSymbol"/>
+              <a:buChar char=""/>
+            </a:pPr>
+            <a:endParaRPr/>
+          </a:p>
+          <a:p>
+            <a:pPr>
+              <a:buSzPct val="45000"/>
+              <a:buFont typeface="StarSymbol"/>
+              <a:buChar char=""/>
+            </a:pPr>
+            <a:r>
+              <a:rPr lang="en-US" sz="3200">
+                <a:latin typeface="Arial"/>
+              </a:rPr>
+              <a:t>producersGrouped = GROUP drugs2 BY producerId;</a:t>
+            </a:r>
+            <a:endParaRPr/>
+          </a:p>
+          <a:p>
+            <a:pPr>
+              <a:buSzPct val="45000"/>
+              <a:buFont typeface="StarSymbol"/>
+              <a:buChar char=""/>
+            </a:pPr>
+            <a:endParaRPr/>
+          </a:p>
+          <a:p>
+            <a:pPr>
+              <a:buSzPct val="45000"/>
+              <a:buFont typeface="StarSymbol"/>
+              <a:buChar char=""/>
+            </a:pPr>
+            <a:r>
+              <a:rPr lang="en-US" sz="3200">
+                <a:latin typeface="Arial"/>
+              </a:rPr>
+              <a:t>producersDrugs = FOREACH producersGrouped GENERATE        </a:t>
+            </a:r>
+            <a:endParaRPr/>
+          </a:p>
+          <a:p>
+            <a:pPr>
+              <a:buSzPct val="45000"/>
+              <a:buFont typeface="StarSymbol"/>
+              <a:buChar char=""/>
+            </a:pPr>
+            <a:r>
+              <a:rPr lang="en-US" sz="3200">
+                <a:latin typeface="Arial"/>
+              </a:rPr>
+              <a:t>   </a:t>
+            </a:r>
+            <a:r>
+              <a:rPr lang="en-US" sz="3200">
+                <a:latin typeface="Arial"/>
+              </a:rPr>
+              <a:t>MIN(drugs2.producerId) AS producerId,</a:t>
+            </a:r>
+            <a:endParaRPr/>
+          </a:p>
+          <a:p>
+            <a:pPr>
+              <a:buSzPct val="45000"/>
+              <a:buFont typeface="StarSymbol"/>
+              <a:buChar char=""/>
+            </a:pPr>
+            <a:r>
+              <a:rPr lang="en-US" sz="3200">
+                <a:latin typeface="Arial"/>
+              </a:rPr>
+              <a:t>   </a:t>
+            </a:r>
+            <a:r>
+              <a:rPr lang="en-US" sz="3200">
+                <a:latin typeface="Arial"/>
+              </a:rPr>
+              <a:t>MIN(drugs2.producerName) AS producerName,</a:t>
+            </a:r>
+            <a:endParaRPr/>
+          </a:p>
+          <a:p>
+            <a:pPr>
+              <a:buSzPct val="45000"/>
+              <a:buFont typeface="StarSymbol"/>
+              <a:buChar char=""/>
+            </a:pPr>
+            <a:r>
+              <a:rPr lang="en-US" sz="3200">
+                <a:latin typeface="Arial"/>
+              </a:rPr>
+              <a:t>   </a:t>
+            </a:r>
+            <a:r>
+              <a:rPr lang="en-US" sz="3200">
+                <a:latin typeface="Arial"/>
+              </a:rPr>
+              <a:t>drugs2.(name, ingredients) AS drugs:{t:(name, ingredients)};</a:t>
+            </a:r>
+            <a:endParaRPr/>
+          </a:p>
+          <a:p>
+            <a:pPr>
+              <a:buSzPct val="45000"/>
+              <a:buFont typeface="StarSymbol"/>
+              <a:buChar char=""/>
+            </a:pPr>
+            <a:endParaRPr/>
+          </a:p>
+          <a:p>
+            <a:pPr>
+              <a:buSzPct val="45000"/>
+              <a:buFont typeface="StarSymbol"/>
+              <a:buChar char=""/>
+            </a:pPr>
+            <a:r>
+              <a:rPr lang="en-US" sz="3200">
+                <a:latin typeface="Arial"/>
+              </a:rPr>
+              <a:t>STORE producersDrugs INTO 'mongodb://localhost:27017/drugsdb.producers' USING com.mongodb.hadoop.pig.MongoStorage(); </a:t>
+            </a:r>
+            <a:endParaRPr/>
+          </a:p>
+        </p:txBody>
       </p:sp>
     </p:spTree>
   </p:cSld>
@@ -7151,7 +7606,7 @@
       </p:grpSpPr>
       <p:sp>
         <p:nvSpPr>
-          <p:cNvPr id="58" name="TextShape 1"/>
+          <p:cNvPr id="56" name="TextShape 1"/>
           <p:cNvSpPr txBox="1"/>
           <p:nvPr/>
         </p:nvSpPr>
@@ -7172,212 +7627,122 @@
               <a:rPr lang="en-US" sz="4400">
                 <a:latin typeface="Arial"/>
               </a:rPr>
-              <a:t>SPARQL példa</a:t>
-            </a:r>
-            <a:endParaRPr/>
-          </a:p>
-        </p:txBody>
-      </p:sp>
-      <p:sp>
-        <p:nvSpPr>
-          <p:cNvPr id="59" name="TextShape 2"/>
+              <a:t>SPARQL</a:t>
+            </a:r>
+            <a:endParaRPr/>
+          </a:p>
+        </p:txBody>
+      </p:sp>
+      <p:pic>
+        <p:nvPicPr>
+          <p:cNvPr id="57" name="" descr=""/>
+          <p:cNvPicPr/>
+          <p:nvPr/>
+        </p:nvPicPr>
+        <p:blipFill>
+          <a:blip r:embed="rId1"/>
+          <a:stretch>
+            <a:fillRect/>
+          </a:stretch>
+        </p:blipFill>
+        <p:spPr>
+          <a:xfrm>
+            <a:off x="457200" y="3840480"/>
+            <a:ext cx="9071640" cy="2780280"/>
+          </a:xfrm>
+          <a:prstGeom prst="rect">
+            <a:avLst/>
+          </a:prstGeom>
+          <a:ln>
+            <a:noFill/>
+          </a:ln>
+        </p:spPr>
+      </p:pic>
+      <p:sp>
+        <p:nvSpPr>
+          <p:cNvPr id="58" name="TextShape 2"/>
           <p:cNvSpPr txBox="1"/>
           <p:nvPr/>
         </p:nvSpPr>
         <p:spPr>
           <a:xfrm>
-            <a:off x="504000" y="1769040"/>
-            <a:ext cx="9071640" cy="5546160"/>
-          </a:xfrm>
-          <a:prstGeom prst="rect">
-            <a:avLst/>
-          </a:prstGeom>
-        </p:spPr>
-        <p:txBody>
-          <a:bodyPr lIns="0" rIns="0" tIns="0" bIns="0"/>
-          <a:p>
-            <a:pPr>
-              <a:buSzPct val="45000"/>
-              <a:buFont typeface="StarSymbol"/>
-              <a:buChar char=""/>
-            </a:pPr>
-            <a:r>
-              <a:rPr lang="en-US" sz="3200">
-                <a:latin typeface="Arial"/>
-              </a:rPr>
-              <a:t>drugs = LOAD 'mongodb://localhost:27017/drugsdb.drugs'</a:t>
-            </a:r>
-            <a:endParaRPr/>
-          </a:p>
-          <a:p>
-            <a:pPr>
-              <a:buSzPct val="45000"/>
-              <a:buFont typeface="StarSymbol"/>
-              <a:buChar char=""/>
-            </a:pPr>
-            <a:r>
-              <a:rPr lang="en-US" sz="3200">
-                <a:latin typeface="Arial"/>
-              </a:rPr>
-              <a:t>             </a:t>
-            </a:r>
-            <a:r>
-              <a:rPr lang="en-US" sz="3200">
-                <a:latin typeface="Arial"/>
-              </a:rPr>
-              <a:t>USING com.mongodb.hadoop.pig.MongoLoader('name: chararray, producerId: chararray, producerName: chararray, ingredients'); </a:t>
-            </a:r>
-            <a:endParaRPr/>
-          </a:p>
-          <a:p>
-            <a:pPr>
-              <a:buSzPct val="45000"/>
-              <a:buFont typeface="StarSymbol"/>
-              <a:buChar char=""/>
-            </a:pPr>
-            <a:endParaRPr/>
-          </a:p>
-          <a:p>
-            <a:pPr>
-              <a:buSzPct val="45000"/>
-              <a:buFont typeface="StarSymbol"/>
-              <a:buChar char=""/>
-            </a:pPr>
-            <a:r>
-              <a:rPr lang="en-US" sz="3200">
-                <a:latin typeface="Arial"/>
-              </a:rPr>
-              <a:t>drugs2 = FOREACH drugs GENERATE name, producerId, producerName, js.createSubstancesBag(ingredients) AS ingredients:{t:(id, name, code)};</a:t>
-            </a:r>
-            <a:endParaRPr/>
-          </a:p>
-          <a:p>
-            <a:pPr>
-              <a:buSzPct val="45000"/>
-              <a:buFont typeface="StarSymbol"/>
-              <a:buChar char=""/>
-            </a:pPr>
-            <a:endParaRPr/>
-          </a:p>
-          <a:p>
-            <a:pPr>
-              <a:buSzPct val="45000"/>
-              <a:buFont typeface="StarSymbol"/>
-              <a:buChar char=""/>
-            </a:pPr>
-            <a:r>
-              <a:rPr lang="en-US" sz="3200">
-                <a:latin typeface="Arial"/>
-              </a:rPr>
-              <a:t>producersGrouped = GROUP drugs2 BY producerId;</a:t>
-            </a:r>
-            <a:endParaRPr/>
-          </a:p>
-          <a:p>
-            <a:pPr>
-              <a:buSzPct val="45000"/>
-              <a:buFont typeface="StarSymbol"/>
-              <a:buChar char=""/>
-            </a:pPr>
-            <a:endParaRPr/>
-          </a:p>
-          <a:p>
-            <a:pPr>
-              <a:buSzPct val="45000"/>
-              <a:buFont typeface="StarSymbol"/>
-              <a:buChar char=""/>
-            </a:pPr>
-            <a:r>
-              <a:rPr lang="en-US" sz="3200">
-                <a:latin typeface="Arial"/>
-              </a:rPr>
-              <a:t>producersDrugs = FOREACH producersGrouped GENERATE        </a:t>
-            </a:r>
-            <a:endParaRPr/>
-          </a:p>
-          <a:p>
-            <a:pPr>
-              <a:buSzPct val="45000"/>
-              <a:buFont typeface="StarSymbol"/>
-              <a:buChar char=""/>
-            </a:pPr>
-            <a:r>
-              <a:rPr lang="en-US" sz="3200">
-                <a:latin typeface="Arial"/>
-              </a:rPr>
-              <a:t>   </a:t>
-            </a:r>
-            <a:r>
-              <a:rPr lang="en-US" sz="3200">
-                <a:latin typeface="Arial"/>
-              </a:rPr>
-              <a:t>MIN(drugs2.producerId) AS producerId,</a:t>
-            </a:r>
-            <a:endParaRPr/>
-          </a:p>
-          <a:p>
-            <a:pPr>
-              <a:buSzPct val="45000"/>
-              <a:buFont typeface="StarSymbol"/>
-              <a:buChar char=""/>
-            </a:pPr>
-            <a:r>
-              <a:rPr lang="en-US" sz="3200">
-                <a:latin typeface="Arial"/>
-              </a:rPr>
-              <a:t>   </a:t>
-            </a:r>
-            <a:r>
-              <a:rPr lang="en-US" sz="3200">
-                <a:latin typeface="Arial"/>
-              </a:rPr>
-              <a:t>MIN(drugs2.producerName) AS producerName,</a:t>
-            </a:r>
-            <a:endParaRPr/>
-          </a:p>
-          <a:p>
-            <a:pPr>
-              <a:buSzPct val="45000"/>
-              <a:buFont typeface="StarSymbol"/>
-              <a:buChar char=""/>
-            </a:pPr>
-            <a:r>
-              <a:rPr lang="en-US" sz="3200">
-                <a:latin typeface="Arial"/>
-              </a:rPr>
-              <a:t>   </a:t>
-            </a:r>
-            <a:r>
-              <a:rPr lang="en-US" sz="3200">
-                <a:latin typeface="Arial"/>
-              </a:rPr>
-              <a:t>drugs2.(name, ingredients) AS drugs:{t:(name, ingredients)};</a:t>
-            </a:r>
-            <a:endParaRPr/>
-          </a:p>
-          <a:p>
-            <a:pPr>
-              <a:buSzPct val="45000"/>
-              <a:buFont typeface="StarSymbol"/>
-              <a:buChar char=""/>
-            </a:pPr>
-            <a:endParaRPr/>
-          </a:p>
-          <a:p>
-            <a:pPr>
-              <a:buSzPct val="45000"/>
-              <a:buFont typeface="StarSymbol"/>
-              <a:buChar char=""/>
-            </a:pPr>
-            <a:r>
-              <a:rPr lang="en-US" sz="3200">
-                <a:latin typeface="Arial"/>
-              </a:rPr>
-              <a:t>STORE producersDrugs INTO 'mongodb://localhost:27017/drugsdb.producers' USING com.mongodb.hadoop.pig.MongoStorage(); </a:t>
-            </a:r>
-            <a:endParaRPr/>
-          </a:p>
-        </p:txBody>
+            <a:off x="457200" y="1563480"/>
+            <a:ext cx="8961120" cy="2075040"/>
+          </a:xfrm>
+          <a:prstGeom prst="rect">
+            <a:avLst/>
+          </a:prstGeom>
+        </p:spPr>
+        <p:txBody>
+          <a:bodyPr lIns="90000" rIns="90000" tIns="45000" bIns="45000"/>
+          <a:p>
+            <a:pPr>
+              <a:buSzPct val="45000"/>
+              <a:buFont typeface="StarSymbol"/>
+              <a:buChar char=""/>
+            </a:pPr>
+            <a:r>
+              <a:rPr lang="en-US" sz="3200">
+                <a:latin typeface="Arial"/>
+              </a:rPr>
+              <a:t>SPARQL Protocol and RDF Query Language</a:t>
+            </a:r>
+            <a:endParaRPr/>
+          </a:p>
+          <a:p>
+            <a:pPr>
+              <a:buSzPct val="45000"/>
+              <a:buFont typeface="StarSymbol"/>
+              <a:buChar char=""/>
+            </a:pPr>
+            <a:r>
+              <a:rPr lang="en-US" sz="3200">
+                <a:latin typeface="Arial"/>
+              </a:rPr>
+              <a:t>Része a szemantikus webnek</a:t>
+            </a:r>
+            <a:endParaRPr/>
+          </a:p>
+          <a:p>
+            <a:pPr>
+              <a:buSzPct val="45000"/>
+              <a:buFont typeface="StarSymbol"/>
+              <a:buChar char=""/>
+            </a:pPr>
+            <a:r>
+              <a:rPr lang="en-US" sz="3200">
+                <a:latin typeface="Arial"/>
+              </a:rPr>
+              <a:t>SPARQL csomópont </a:t>
+            </a:r>
+            <a:r>
+              <a:rPr lang="en-US" sz="3200">
+                <a:latin typeface="Arial"/>
+              </a:rPr>
+              <a:t>http://dbpedia.org/snorql/</a:t>
+            </a:r>
+            <a:endParaRPr/>
+          </a:p>
+          <a:p>
+            <a:endParaRPr/>
+          </a:p>
+        </p:txBody>
+      </p:sp>
+      <p:sp>
+        <p:nvSpPr>
+          <p:cNvPr id="59" name="TextShape 3"/>
+          <p:cNvSpPr txBox="1"/>
+          <p:nvPr/>
+        </p:nvSpPr>
+        <p:spPr>
+          <a:xfrm>
+            <a:off x="1371600" y="1920240"/>
+            <a:ext cx="180720" cy="346320"/>
+          </a:xfrm>
+          <a:prstGeom prst="rect">
+            <a:avLst/>
+          </a:prstGeom>
+        </p:spPr>
       </p:sp>
     </p:spTree>
   </p:cSld>

--- a/docs/thesis/Orvosi szövegértelmező rendszer - bemutató.pptx
+++ b/docs/thesis/Orvosi szövegértelmező rendszer - bemutató.pptx
@@ -38,7 +38,7 @@
 </p:presentation>
 </file>
 
-<file path=ppt/charts/chart3.xml><?xml version="1.0" encoding="utf-8"?>
+<file path=ppt/charts/chart4.xml><?xml version="1.0" encoding="utf-8"?>
 <c:chartSpace xmlns:c="http://schemas.openxmlformats.org/drawingml/2006/chart" xmlns:a="http://schemas.openxmlformats.org/drawingml/2006/main" xmlns:r="http://schemas.openxmlformats.org/officeDocument/2006/relationships">
   <c:lang val="en-US"/>
   <c:chart>
@@ -208,11 +208,11 @@
           </c:val>
         </c:ser>
         <c:gapWidth val="100"/>
-        <c:axId val="15033152"/>
-        <c:axId val="78562968"/>
+        <c:axId val="79603575"/>
+        <c:axId val="69784134"/>
       </c:barChart>
       <c:catAx>
-        <c:axId val="15033152"/>
+        <c:axId val="79603575"/>
         <c:scaling>
           <c:orientation val="minMax"/>
         </c:scaling>
@@ -228,14 +228,14 @@
             </a:solidFill>
           </a:ln>
         </c:spPr>
-        <c:crossAx val="78562968"/>
+        <c:crossAx val="69784134"/>
         <c:crossesAt val="0"/>
         <c:auto val="1"/>
         <c:lblAlgn val="ctr"/>
         <c:lblOffset val="100"/>
       </c:catAx>
       <c:valAx>
-        <c:axId val="78562968"/>
+        <c:axId val="69784134"/>
         <c:scaling>
           <c:orientation val="minMax"/>
         </c:scaling>
@@ -260,7 +260,7 @@
             </a:solidFill>
           </a:ln>
         </c:spPr>
-        <c:crossAx val="15033152"/>
+        <c:crossAx val="79603575"/>
         <c:crossesAt val="0"/>
       </c:valAx>
       <c:spPr>
@@ -1700,7 +1700,7 @@
           <a:bodyPr lIns="0" rIns="0" tIns="0" bIns="0"/>
           <a:p>
             <a:pPr algn="r"/>
-            <a:fld id="{E92D0667-5720-4390-A447-200F258D76ED}" type="slidenum">
+            <a:fld id="{2EC02519-3B80-4847-AEB0-AEDFEC283B05}" type="slidenum">
               <a:rPr lang="en-US" sz="1400">
                 <a:latin typeface="Times New Roman"/>
               </a:rPr>
@@ -2198,6 +2198,33 @@
       </p:sp>
     </p:spTree>
   </p:cSld>
+  <p:timing>
+    <p:tnLst>
+      <p:par>
+        <p:cTn id="19" dur="indefinite" restart="never" nodeType="tmRoot">
+          <p:childTnLst>
+            <p:seq>
+              <p:cTn id="20" nodeType="mainSeq"/>
+              <p:prevCondLst>
+                <p:cond delay="0" evt="onPrev">
+                  <p:tgtEl>
+                    <p:sldTgt/>
+                  </p:tgtEl>
+                </p:cond>
+              </p:prevCondLst>
+              <p:nextCondLst>
+                <p:cond delay="0" evt="onNext">
+                  <p:tgtEl>
+                    <p:sldTgt/>
+                  </p:tgtEl>
+                </p:cond>
+              </p:nextCondLst>
+            </p:seq>
+          </p:childTnLst>
+        </p:cTn>
+      </p:par>
+    </p:tnLst>
+  </p:timing>
 </p:sld>
 </file>
 
@@ -2277,10 +2304,10 @@
   <p:timing>
     <p:tnLst>
       <p:par>
-        <p:cTn id="19" dur="indefinite" restart="never" nodeType="tmRoot">
+        <p:cTn id="21" dur="indefinite" restart="never" nodeType="tmRoot">
           <p:childTnLst>
             <p:seq>
-              <p:cTn id="20" nodeType="mainSeq"/>
+              <p:cTn id="22" nodeType="mainSeq"/>
               <p:prevCondLst>
                 <p:cond delay="0" evt="onPrev">
                   <p:tgtEl>
@@ -2469,10 +2496,10 @@
   <p:timing>
     <p:tnLst>
       <p:par>
-        <p:cTn id="21" dur="indefinite" restart="never" nodeType="tmRoot">
+        <p:cTn id="23" dur="indefinite" restart="never" nodeType="tmRoot">
           <p:childTnLst>
             <p:seq>
-              <p:cTn id="22" nodeType="mainSeq"/>
+              <p:cTn id="24" nodeType="mainSeq"/>
               <p:prevCondLst>
                 <p:cond delay="0" evt="onPrev">
                   <p:tgtEl>
@@ -2572,10 +2599,10 @@
   <p:timing>
     <p:tnLst>
       <p:par>
-        <p:cTn id="23" dur="indefinite" restart="never" nodeType="tmRoot">
+        <p:cTn id="25" dur="indefinite" restart="never" nodeType="tmRoot">
           <p:childTnLst>
             <p:seq>
-              <p:cTn id="24" nodeType="mainSeq"/>
+              <p:cTn id="26" nodeType="mainSeq"/>
               <p:prevCondLst>
                 <p:cond delay="0" evt="onPrev">
                   <p:tgtEl>
@@ -2739,10 +2766,10 @@
   <p:timing>
     <p:tnLst>
       <p:par>
-        <p:cTn id="25" dur="indefinite" restart="never" nodeType="tmRoot">
+        <p:cTn id="27" dur="indefinite" restart="never" nodeType="tmRoot">
           <p:childTnLst>
             <p:seq>
-              <p:cTn id="26" nodeType="mainSeq"/>
+              <p:cTn id="28" nodeType="mainSeq"/>
               <p:prevCondLst>
                 <p:cond delay="0" evt="onPrev">
                   <p:tgtEl>
@@ -2892,10 +2919,10 @@
   <p:timing>
     <p:tnLst>
       <p:par>
-        <p:cTn id="27" dur="indefinite" restart="never" nodeType="tmRoot">
+        <p:cTn id="29" dur="indefinite" restart="never" nodeType="tmRoot">
           <p:childTnLst>
             <p:seq>
-              <p:cTn id="28" nodeType="mainSeq"/>
+              <p:cTn id="30" nodeType="mainSeq"/>
               <p:prevCondLst>
                 <p:cond delay="0" evt="onPrev">
                   <p:tgtEl>
@@ -3101,10 +3128,10 @@
   <p:timing>
     <p:tnLst>
       <p:par>
-        <p:cTn id="29" dur="indefinite" restart="never" nodeType="tmRoot">
+        <p:cTn id="31" dur="indefinite" restart="never" nodeType="tmRoot">
           <p:childTnLst>
             <p:seq>
-              <p:cTn id="30" nodeType="mainSeq"/>
+              <p:cTn id="32" nodeType="mainSeq"/>
               <p:prevCondLst>
                 <p:cond delay="0" evt="onPrev">
                   <p:tgtEl>
@@ -3204,10 +3231,10 @@
   <p:timing>
     <p:tnLst>
       <p:par>
-        <p:cTn id="31" dur="indefinite" restart="never" nodeType="tmRoot">
+        <p:cTn id="33" dur="indefinite" restart="never" nodeType="tmRoot">
           <p:childTnLst>
             <p:seq>
-              <p:cTn id="32" nodeType="mainSeq"/>
+              <p:cTn id="34" nodeType="mainSeq"/>
               <p:prevCondLst>
                 <p:cond delay="0" evt="onPrev">
                   <p:tgtEl>
@@ -3307,10 +3334,10 @@
   <p:timing>
     <p:tnLst>
       <p:par>
-        <p:cTn id="33" dur="indefinite" restart="never" nodeType="tmRoot">
+        <p:cTn id="35" dur="indefinite" restart="never" nodeType="tmRoot">
           <p:childTnLst>
             <p:seq>
-              <p:cTn id="34" nodeType="mainSeq"/>
+              <p:cTn id="36" nodeType="mainSeq"/>
               <p:prevCondLst>
                 <p:cond delay="0" evt="onPrev">
                   <p:tgtEl>
@@ -3410,10 +3437,10 @@
   <p:timing>
     <p:tnLst>
       <p:par>
-        <p:cTn id="35" dur="indefinite" restart="never" nodeType="tmRoot">
+        <p:cTn id="37" dur="indefinite" restart="never" nodeType="tmRoot">
           <p:childTnLst>
             <p:seq>
-              <p:cTn id="36" nodeType="mainSeq"/>
+              <p:cTn id="38" nodeType="mainSeq"/>
               <p:prevCondLst>
                 <p:cond delay="0" evt="onPrev">
                   <p:tgtEl>
@@ -3680,10 +3707,10 @@
   <p:timing>
     <p:tnLst>
       <p:par>
-        <p:cTn id="37" dur="indefinite" restart="never" nodeType="tmRoot">
+        <p:cTn id="39" dur="indefinite" restart="never" nodeType="tmRoot">
           <p:childTnLst>
             <p:seq>
-              <p:cTn id="38" nodeType="mainSeq"/>
+              <p:cTn id="40" nodeType="mainSeq"/>
               <p:prevCondLst>
                 <p:cond delay="0" evt="onPrev">
                   <p:tgtEl>
@@ -4062,10 +4089,10 @@
   <p:timing>
     <p:tnLst>
       <p:par>
-        <p:cTn id="39" dur="indefinite" restart="never" nodeType="tmRoot">
+        <p:cTn id="41" dur="indefinite" restart="never" nodeType="tmRoot">
           <p:childTnLst>
             <p:seq>
-              <p:cTn id="40" nodeType="mainSeq"/>
+              <p:cTn id="42" nodeType="mainSeq"/>
               <p:prevCondLst>
                 <p:cond delay="0" evt="onPrev">
                   <p:tgtEl>
@@ -4403,10 +4430,10 @@
   <p:timing>
     <p:tnLst>
       <p:par>
-        <p:cTn id="41" dur="indefinite" restart="never" nodeType="tmRoot">
+        <p:cTn id="43" dur="indefinite" restart="never" nodeType="tmRoot">
           <p:childTnLst>
             <p:seq>
-              <p:cTn id="42" nodeType="mainSeq"/>
+              <p:cTn id="44" nodeType="mainSeq"/>
               <p:prevCondLst>
                 <p:cond delay="0" evt="onPrev">
                   <p:tgtEl>
@@ -4652,10 +4679,10 @@
   <p:timing>
     <p:tnLst>
       <p:par>
-        <p:cTn id="43" dur="indefinite" restart="never" nodeType="tmRoot">
+        <p:cTn id="45" dur="indefinite" restart="never" nodeType="tmRoot">
           <p:childTnLst>
             <p:seq>
-              <p:cTn id="44" nodeType="mainSeq"/>
+              <p:cTn id="46" nodeType="mainSeq"/>
               <p:prevCondLst>
                 <p:cond delay="0" evt="onPrev">
                   <p:tgtEl>
@@ -4796,10 +4823,10 @@
   <p:timing>
     <p:tnLst>
       <p:par>
-        <p:cTn id="45" dur="indefinite" restart="never" nodeType="tmRoot">
+        <p:cTn id="47" dur="indefinite" restart="never" nodeType="tmRoot">
           <p:childTnLst>
             <p:seq>
-              <p:cTn id="46" nodeType="mainSeq"/>
+              <p:cTn id="48" nodeType="mainSeq"/>
               <p:prevCondLst>
                 <p:cond delay="0" evt="onPrev">
                   <p:tgtEl>
@@ -4923,10 +4950,10 @@
   <p:timing>
     <p:tnLst>
       <p:par>
-        <p:cTn id="47" dur="indefinite" restart="never" nodeType="tmRoot">
+        <p:cTn id="49" dur="indefinite" restart="never" nodeType="tmRoot">
           <p:childTnLst>
             <p:seq>
-              <p:cTn id="48" nodeType="mainSeq"/>
+              <p:cTn id="50" nodeType="mainSeq"/>
               <p:prevCondLst>
                 <p:cond delay="0" evt="onPrev">
                   <p:tgtEl>
@@ -5271,10 +5298,10 @@
   <p:timing>
     <p:tnLst>
       <p:par>
-        <p:cTn id="49" dur="indefinite" restart="never" nodeType="tmRoot">
+        <p:cTn id="51" dur="indefinite" restart="never" nodeType="tmRoot">
           <p:childTnLst>
             <p:seq>
-              <p:cTn id="50" nodeType="mainSeq"/>
+              <p:cTn id="52" nodeType="mainSeq"/>
               <p:prevCondLst>
                 <p:cond delay="0" evt="onPrev">
                   <p:tgtEl>
@@ -5480,10 +5507,10 @@
   <p:timing>
     <p:tnLst>
       <p:par>
-        <p:cTn id="51" dur="indefinite" restart="never" nodeType="tmRoot">
+        <p:cTn id="53" dur="indefinite" restart="never" nodeType="tmRoot">
           <p:childTnLst>
             <p:seq>
-              <p:cTn id="52" nodeType="mainSeq"/>
+              <p:cTn id="54" nodeType="mainSeq"/>
               <p:prevCondLst>
                 <p:cond delay="0" evt="onPrev">
                   <p:tgtEl>

--- a/docs/thesis/Orvosi szövegértelmező rendszer - bemutató.pptx
+++ b/docs/thesis/Orvosi szövegértelmező rendszer - bemutató.pptx
@@ -38,7 +38,7 @@
 </p:presentation>
 </file>
 
-<file path=ppt/charts/chart4.xml><?xml version="1.0" encoding="utf-8"?>
+<file path=ppt/charts/chart5.xml><?xml version="1.0" encoding="utf-8"?>
 <c:chartSpace xmlns:c="http://schemas.openxmlformats.org/drawingml/2006/chart" xmlns:a="http://schemas.openxmlformats.org/drawingml/2006/main" xmlns:r="http://schemas.openxmlformats.org/officeDocument/2006/relationships">
   <c:lang val="en-US"/>
   <c:chart>
@@ -208,11 +208,11 @@
           </c:val>
         </c:ser>
         <c:gapWidth val="100"/>
-        <c:axId val="79603575"/>
-        <c:axId val="69784134"/>
+        <c:axId val="67986537"/>
+        <c:axId val="30516751"/>
       </c:barChart>
       <c:catAx>
-        <c:axId val="79603575"/>
+        <c:axId val="67986537"/>
         <c:scaling>
           <c:orientation val="minMax"/>
         </c:scaling>
@@ -228,14 +228,14 @@
             </a:solidFill>
           </a:ln>
         </c:spPr>
-        <c:crossAx val="69784134"/>
+        <c:crossAx val="30516751"/>
         <c:crossesAt val="0"/>
         <c:auto val="1"/>
         <c:lblAlgn val="ctr"/>
         <c:lblOffset val="100"/>
       </c:catAx>
       <c:valAx>
-        <c:axId val="69784134"/>
+        <c:axId val="30516751"/>
         <c:scaling>
           <c:orientation val="minMax"/>
         </c:scaling>
@@ -260,7 +260,7 @@
             </a:solidFill>
           </a:ln>
         </c:spPr>
-        <c:crossAx val="79603575"/>
+        <c:crossAx val="67986537"/>
         <c:crossesAt val="0"/>
       </c:valAx>
       <c:spPr>
@@ -1700,7 +1700,7 @@
           <a:bodyPr lIns="0" rIns="0" tIns="0" bIns="0"/>
           <a:p>
             <a:pPr algn="r"/>
-            <a:fld id="{2EC02519-3B80-4847-AEB0-AEDFEC283B05}" type="slidenum">
+            <a:fld id="{D9113A05-7E27-4F47-B2C7-BC2196C27752}" type="slidenum">
               <a:rPr lang="en-US" sz="1400">
                 <a:latin typeface="Times New Roman"/>
               </a:rPr>
@@ -1784,22 +1784,130 @@
         </p:nvSpPr>
         <p:spPr>
           <a:xfrm>
-            <a:off x="504000" y="3749040"/>
-            <a:ext cx="9071640" cy="2404440"/>
-          </a:xfrm>
-          <a:prstGeom prst="rect">
-            <a:avLst/>
-          </a:prstGeom>
-        </p:spPr>
-        <p:txBody>
-          <a:bodyPr lIns="0" rIns="0" tIns="0" bIns="0" anchor="ctr"/>
-          <a:p>
-            <a:pPr algn="ctr"/>
-            <a:r>
-              <a:rPr lang="en-US" sz="3200">
-                <a:latin typeface="Arial"/>
-              </a:rPr>
-              <a:t>Aszalos Zoltán</a:t>
+            <a:off x="508680" y="5303520"/>
+            <a:ext cx="9071640" cy="1463040"/>
+          </a:xfrm>
+          <a:prstGeom prst="rect">
+            <a:avLst/>
+          </a:prstGeom>
+        </p:spPr>
+        <p:txBody>
+          <a:bodyPr lIns="0" rIns="0" tIns="0" bIns="0"/>
+          <a:p>
+            <a:pPr>
+              <a:buSzPct val="45000"/>
+              <a:buFont typeface="StarSymbol"/>
+              <a:buChar char=""/>
+            </a:pPr>
+            <a:r>
+              <a:rPr lang="en-US" sz="3200">
+                <a:latin typeface="Arial"/>
+              </a:rPr>
+              <a:t>Témavezető:</a:t>
+            </a:r>
+            <a:r>
+              <a:rPr lang="en-US" sz="3200">
+                <a:latin typeface="Arial"/>
+              </a:rPr>
+              <a:t>	</a:t>
+            </a:r>
+            <a:r>
+              <a:rPr lang="en-US" sz="3200">
+                <a:latin typeface="Arial"/>
+              </a:rPr>
+              <a:t>	</a:t>
+            </a:r>
+            <a:r>
+              <a:rPr lang="en-US" sz="3200">
+                <a:latin typeface="Arial"/>
+              </a:rPr>
+              <a:t>	</a:t>
+            </a:r>
+            <a:r>
+              <a:rPr lang="en-US" sz="3200">
+                <a:latin typeface="Arial"/>
+              </a:rPr>
+              <a:t>	</a:t>
+            </a:r>
+            <a:r>
+              <a:rPr lang="en-US" sz="3200">
+                <a:latin typeface="Arial"/>
+              </a:rPr>
+              <a:t>	</a:t>
+            </a:r>
+            <a:r>
+              <a:rPr lang="en-US" sz="3200">
+                <a:latin typeface="Arial"/>
+              </a:rPr>
+              <a:t>	</a:t>
+            </a:r>
+            <a:r>
+              <a:rPr lang="en-US" sz="3200">
+                <a:latin typeface="Arial"/>
+              </a:rPr>
+              <a:t>	</a:t>
+            </a:r>
+            <a:r>
+              <a:rPr lang="en-US" sz="3200">
+                <a:latin typeface="Arial"/>
+              </a:rPr>
+              <a:t>	</a:t>
+            </a:r>
+            <a:r>
+              <a:rPr lang="en-US" sz="3200">
+                <a:latin typeface="Arial"/>
+              </a:rPr>
+              <a:t>	</a:t>
+            </a:r>
+            <a:r>
+              <a:rPr lang="en-US" sz="3200">
+                <a:latin typeface="Arial"/>
+              </a:rPr>
+              <a:t>	</a:t>
+            </a:r>
+            <a:r>
+              <a:rPr lang="en-US" sz="3200">
+                <a:latin typeface="Arial"/>
+              </a:rPr>
+              <a:t>                                              Hallgató:</a:t>
+            </a:r>
+            <a:endParaRPr/>
+          </a:p>
+          <a:p>
+            <a:pPr>
+              <a:buSzPct val="45000"/>
+              <a:buFont typeface="StarSymbol"/>
+              <a:buChar char=""/>
+            </a:pPr>
+            <a:r>
+              <a:rPr lang="en-US" sz="3200">
+                <a:latin typeface="Arial"/>
+              </a:rPr>
+              <a:t>dr. ing. Johann Stan  </a:t>
+            </a:r>
+            <a:r>
+              <a:rPr lang="en-US" sz="3200">
+                <a:latin typeface="Arial"/>
+              </a:rPr>
+              <a:t>	</a:t>
+            </a:r>
+            <a:r>
+              <a:rPr lang="en-US" sz="3200">
+                <a:latin typeface="Arial"/>
+              </a:rPr>
+              <a:t>	</a:t>
+            </a:r>
+            <a:r>
+              <a:rPr lang="en-US" sz="3200">
+                <a:latin typeface="Arial"/>
+              </a:rPr>
+              <a:t>	</a:t>
+            </a:r>
+            <a:r>
+              <a:rPr lang="en-US" sz="3200">
+                <a:latin typeface="Arial"/>
+              </a:rPr>
+              <a:t>                             Aszalos Zoltán</a:t>
             </a:r>
             <a:endParaRPr/>
           </a:p>

--- a/docs/thesis/Orvosi szövegértelmező rendszer - bemutató.pptx
+++ b/docs/thesis/Orvosi szövegértelmező rendszer - bemutató.pptx
@@ -38,7 +38,7 @@
 </p:presentation>
 </file>
 
-<file path=ppt/charts/chart5.xml><?xml version="1.0" encoding="utf-8"?>
+<file path=ppt/charts/chart6.xml><?xml version="1.0" encoding="utf-8"?>
 <c:chartSpace xmlns:c="http://schemas.openxmlformats.org/drawingml/2006/chart" xmlns:a="http://schemas.openxmlformats.org/drawingml/2006/main" xmlns:r="http://schemas.openxmlformats.org/officeDocument/2006/relationships">
   <c:lang val="en-US"/>
   <c:chart>
@@ -208,11 +208,11 @@
           </c:val>
         </c:ser>
         <c:gapWidth val="100"/>
-        <c:axId val="67986537"/>
-        <c:axId val="30516751"/>
+        <c:axId val="10291056"/>
+        <c:axId val="25199383"/>
       </c:barChart>
       <c:catAx>
-        <c:axId val="67986537"/>
+        <c:axId val="10291056"/>
         <c:scaling>
           <c:orientation val="minMax"/>
         </c:scaling>
@@ -228,14 +228,14 @@
             </a:solidFill>
           </a:ln>
         </c:spPr>
-        <c:crossAx val="30516751"/>
+        <c:crossAx val="25199383"/>
         <c:crossesAt val="0"/>
         <c:auto val="1"/>
         <c:lblAlgn val="ctr"/>
         <c:lblOffset val="100"/>
       </c:catAx>
       <c:valAx>
-        <c:axId val="30516751"/>
+        <c:axId val="25199383"/>
         <c:scaling>
           <c:orientation val="minMax"/>
         </c:scaling>
@@ -260,7 +260,7 @@
             </a:solidFill>
           </a:ln>
         </c:spPr>
-        <c:crossAx val="67986537"/>
+        <c:crossAx val="10291056"/>
         <c:crossesAt val="0"/>
       </c:valAx>
       <c:spPr>
@@ -1700,7 +1700,7 @@
           <a:bodyPr lIns="0" rIns="0" tIns="0" bIns="0"/>
           <a:p>
             <a:pPr algn="r"/>
-            <a:fld id="{D9113A05-7E27-4F47-B2C7-BC2196C27752}" type="slidenum">
+            <a:fld id="{1D7BCB90-F62F-4373-BFBA-BA5C677128FD}" type="slidenum">
               <a:rPr lang="en-US" sz="1400">
                 <a:latin typeface="Times New Roman"/>
               </a:rPr>
